--- a/w4/w4-2-logit.pptx
+++ b/w4/w4-2-logit.pptx
@@ -16,6 +16,7 @@
     <p:sldId id="275" r:id="rId10"/>
     <p:sldId id="276" r:id="rId11"/>
     <p:sldId id="277" r:id="rId12"/>
+    <p:sldId id="278" r:id="rId13"/>
   </p:sldIdLst>
   <p:sldSz cx="12192000" cy="6858000"/>
   <p:notesSz cx="6858000" cy="9144000"/>
@@ -269,7 +270,7 @@
           <a:p>
             <a:fld id="{5B1E926E-0429-6548-8C70-82D5B656A7C9}" type="datetimeFigureOut">
               <a:rPr lang="en-US" smtClean="0"/>
-              <a:t>9/9/25</a:t>
+              <a:t>9/15/25</a:t>
             </a:fld>
             <a:endParaRPr lang="en-US"/>
           </a:p>
@@ -467,7 +468,7 @@
           <a:p>
             <a:fld id="{5B1E926E-0429-6548-8C70-82D5B656A7C9}" type="datetimeFigureOut">
               <a:rPr lang="en-US" smtClean="0"/>
-              <a:t>9/9/25</a:t>
+              <a:t>9/15/25</a:t>
             </a:fld>
             <a:endParaRPr lang="en-US"/>
           </a:p>
@@ -675,7 +676,7 @@
           <a:p>
             <a:fld id="{5B1E926E-0429-6548-8C70-82D5B656A7C9}" type="datetimeFigureOut">
               <a:rPr lang="en-US" smtClean="0"/>
-              <a:t>9/9/25</a:t>
+              <a:t>9/15/25</a:t>
             </a:fld>
             <a:endParaRPr lang="en-US"/>
           </a:p>
@@ -873,7 +874,7 @@
           <a:p>
             <a:fld id="{5B1E926E-0429-6548-8C70-82D5B656A7C9}" type="datetimeFigureOut">
               <a:rPr lang="en-US" smtClean="0"/>
-              <a:t>9/9/25</a:t>
+              <a:t>9/15/25</a:t>
             </a:fld>
             <a:endParaRPr lang="en-US"/>
           </a:p>
@@ -1148,7 +1149,7 @@
           <a:p>
             <a:fld id="{5B1E926E-0429-6548-8C70-82D5B656A7C9}" type="datetimeFigureOut">
               <a:rPr lang="en-US" smtClean="0"/>
-              <a:t>9/9/25</a:t>
+              <a:t>9/15/25</a:t>
             </a:fld>
             <a:endParaRPr lang="en-US"/>
           </a:p>
@@ -1413,7 +1414,7 @@
           <a:p>
             <a:fld id="{5B1E926E-0429-6548-8C70-82D5B656A7C9}" type="datetimeFigureOut">
               <a:rPr lang="en-US" smtClean="0"/>
-              <a:t>9/9/25</a:t>
+              <a:t>9/15/25</a:t>
             </a:fld>
             <a:endParaRPr lang="en-US"/>
           </a:p>
@@ -1825,7 +1826,7 @@
           <a:p>
             <a:fld id="{5B1E926E-0429-6548-8C70-82D5B656A7C9}" type="datetimeFigureOut">
               <a:rPr lang="en-US" smtClean="0"/>
-              <a:t>9/9/25</a:t>
+              <a:t>9/15/25</a:t>
             </a:fld>
             <a:endParaRPr lang="en-US"/>
           </a:p>
@@ -1966,7 +1967,7 @@
           <a:p>
             <a:fld id="{5B1E926E-0429-6548-8C70-82D5B656A7C9}" type="datetimeFigureOut">
               <a:rPr lang="en-US" smtClean="0"/>
-              <a:t>9/9/25</a:t>
+              <a:t>9/15/25</a:t>
             </a:fld>
             <a:endParaRPr lang="en-US"/>
           </a:p>
@@ -2079,7 +2080,7 @@
           <a:p>
             <a:fld id="{5B1E926E-0429-6548-8C70-82D5B656A7C9}" type="datetimeFigureOut">
               <a:rPr lang="en-US" smtClean="0"/>
-              <a:t>9/9/25</a:t>
+              <a:t>9/15/25</a:t>
             </a:fld>
             <a:endParaRPr lang="en-US"/>
           </a:p>
@@ -2390,7 +2391,7 @@
           <a:p>
             <a:fld id="{5B1E926E-0429-6548-8C70-82D5B656A7C9}" type="datetimeFigureOut">
               <a:rPr lang="en-US" smtClean="0"/>
-              <a:t>9/9/25</a:t>
+              <a:t>9/15/25</a:t>
             </a:fld>
             <a:endParaRPr lang="en-US"/>
           </a:p>
@@ -2678,7 +2679,7 @@
           <a:p>
             <a:fld id="{5B1E926E-0429-6548-8C70-82D5B656A7C9}" type="datetimeFigureOut">
               <a:rPr lang="en-US" smtClean="0"/>
-              <a:t>9/9/25</a:t>
+              <a:t>9/15/25</a:t>
             </a:fld>
             <a:endParaRPr lang="en-US"/>
           </a:p>
@@ -2919,7 +2920,7 @@
           <a:p>
             <a:fld id="{5B1E926E-0429-6548-8C70-82D5B656A7C9}" type="datetimeFigureOut">
               <a:rPr lang="en-US" smtClean="0"/>
-              <a:t>9/9/25</a:t>
+              <a:t>9/15/25</a:t>
             </a:fld>
             <a:endParaRPr lang="en-US"/>
           </a:p>
@@ -4140,6 +4141,540 @@
 </p:sld>
 </file>
 
+<file path=ppt/slides/slide12.xml><?xml version="1.0" encoding="utf-8"?>
+<p:sld xmlns:a="http://schemas.openxmlformats.org/drawingml/2006/main" xmlns:r="http://schemas.openxmlformats.org/officeDocument/2006/relationships" xmlns:p="http://schemas.openxmlformats.org/presentationml/2006/main">
+  <p:cSld>
+    <p:spTree>
+      <p:nvGrpSpPr>
+        <p:cNvPr id="1" name="">
+          <a:extLst>
+            <a:ext uri="{FF2B5EF4-FFF2-40B4-BE49-F238E27FC236}">
+              <a16:creationId xmlns:a16="http://schemas.microsoft.com/office/drawing/2014/main" id="{F475A09F-E577-11B5-D96F-EDF9B8EB1CD8}"/>
+            </a:ext>
+          </a:extLst>
+        </p:cNvPr>
+        <p:cNvGrpSpPr/>
+        <p:nvPr/>
+      </p:nvGrpSpPr>
+      <p:grpSpPr>
+        <a:xfrm>
+          <a:off x="0" y="0"/>
+          <a:ext cx="0" cy="0"/>
+          <a:chOff x="0" y="0"/>
+          <a:chExt cx="0" cy="0"/>
+        </a:xfrm>
+      </p:grpSpPr>
+      <p:sp>
+        <p:nvSpPr>
+          <p:cNvPr id="2" name="Title 1">
+            <a:extLst>
+              <a:ext uri="{FF2B5EF4-FFF2-40B4-BE49-F238E27FC236}">
+                <a16:creationId xmlns:a16="http://schemas.microsoft.com/office/drawing/2014/main" id="{2151E85C-D12A-76F5-EE5B-BA06C1A88CEA}"/>
+              </a:ext>
+            </a:extLst>
+          </p:cNvPr>
+          <p:cNvSpPr>
+            <a:spLocks noGrp="1"/>
+          </p:cNvSpPr>
+          <p:nvPr>
+            <p:ph type="title"/>
+          </p:nvPr>
+        </p:nvSpPr>
+        <p:spPr/>
+        <p:txBody>
+          <a:bodyPr/>
+          <a:lstStyle/>
+          <a:p>
+            <a:r>
+              <a:rPr lang="en-US" dirty="0"/>
+              <a:t>Logistic regression in R</a:t>
+            </a:r>
+          </a:p>
+        </p:txBody>
+      </p:sp>
+      <p:sp>
+        <p:nvSpPr>
+          <p:cNvPr id="3" name="Content Placeholder 2">
+            <a:extLst>
+              <a:ext uri="{FF2B5EF4-FFF2-40B4-BE49-F238E27FC236}">
+                <a16:creationId xmlns:a16="http://schemas.microsoft.com/office/drawing/2014/main" id="{75EACED7-2D2A-97A0-DF92-F809E0547C47}"/>
+              </a:ext>
+            </a:extLst>
+          </p:cNvPr>
+          <p:cNvSpPr>
+            <a:spLocks noGrp="1"/>
+          </p:cNvSpPr>
+          <p:nvPr>
+            <p:ph idx="1"/>
+          </p:nvPr>
+        </p:nvSpPr>
+        <p:spPr>
+          <a:xfrm>
+            <a:off x="728032" y="1528168"/>
+            <a:ext cx="5760903" cy="4696361"/>
+          </a:xfrm>
+        </p:spPr>
+        <p:txBody>
+          <a:bodyPr>
+            <a:normAutofit/>
+          </a:bodyPr>
+          <a:lstStyle/>
+          <a:p>
+            <a:pPr marL="0" indent="0">
+              <a:buNone/>
+            </a:pPr>
+            <a:r>
+              <a:rPr lang="en-US" sz="1600" dirty="0">
+                <a:solidFill>
+                  <a:srgbClr val="92D050"/>
+                </a:solidFill>
+                <a:latin typeface="Consolas" panose="020B0609020204030204" pitchFamily="49" charset="0"/>
+                <a:cs typeface="Consolas" panose="020B0609020204030204" pitchFamily="49" charset="0"/>
+              </a:rPr>
+              <a:t># Crate the variable gem which identifies very good listings</a:t>
+            </a:r>
+          </a:p>
+          <a:p>
+            <a:pPr marL="0" indent="0">
+              <a:buNone/>
+            </a:pPr>
+            <a:r>
+              <a:rPr lang="en-US" sz="1600" dirty="0" err="1">
+                <a:latin typeface="Consolas" panose="020B0609020204030204" pitchFamily="49" charset="0"/>
+                <a:cs typeface="Consolas" panose="020B0609020204030204" pitchFamily="49" charset="0"/>
+              </a:rPr>
+              <a:t>airbnb</a:t>
+            </a:r>
+            <a:r>
+              <a:rPr lang="en-US" sz="1600" dirty="0">
+                <a:latin typeface="Consolas" panose="020B0609020204030204" pitchFamily="49" charset="0"/>
+                <a:cs typeface="Consolas" panose="020B0609020204030204" pitchFamily="49" charset="0"/>
+              </a:rPr>
+              <a:t>[, gem:=</a:t>
+            </a:r>
+            <a:r>
+              <a:rPr lang="en-US" sz="1600" dirty="0" err="1">
+                <a:latin typeface="Consolas" panose="020B0609020204030204" pitchFamily="49" charset="0"/>
+                <a:cs typeface="Consolas" panose="020B0609020204030204" pitchFamily="49" charset="0"/>
+              </a:rPr>
+              <a:t>as.integer</a:t>
+            </a:r>
+            <a:r>
+              <a:rPr lang="en-US" sz="1600" dirty="0">
+                <a:latin typeface="Consolas" panose="020B0609020204030204" pitchFamily="49" charset="0"/>
+                <a:cs typeface="Consolas" panose="020B0609020204030204" pitchFamily="49" charset="0"/>
+              </a:rPr>
+              <a:t>(</a:t>
+            </a:r>
+            <a:r>
+              <a:rPr lang="en-US" sz="1600" dirty="0" err="1">
+                <a:latin typeface="Consolas" panose="020B0609020204030204" pitchFamily="49" charset="0"/>
+                <a:cs typeface="Consolas" panose="020B0609020204030204" pitchFamily="49" charset="0"/>
+              </a:rPr>
+              <a:t>star_rating</a:t>
+            </a:r>
+            <a:r>
+              <a:rPr lang="en-US" sz="1600" dirty="0">
+                <a:latin typeface="Consolas" panose="020B0609020204030204" pitchFamily="49" charset="0"/>
+                <a:cs typeface="Consolas" panose="020B0609020204030204" pitchFamily="49" charset="0"/>
+              </a:rPr>
+              <a:t>&gt;=4.5 &amp; </a:t>
+            </a:r>
+            <a:r>
+              <a:rPr lang="en-US" sz="1600" dirty="0" err="1">
+                <a:latin typeface="Consolas" panose="020B0609020204030204" pitchFamily="49" charset="0"/>
+                <a:cs typeface="Consolas" panose="020B0609020204030204" pitchFamily="49" charset="0"/>
+              </a:rPr>
+              <a:t>reviews_count</a:t>
+            </a:r>
+            <a:r>
+              <a:rPr lang="en-US" sz="1600" dirty="0">
+                <a:latin typeface="Consolas" panose="020B0609020204030204" pitchFamily="49" charset="0"/>
+                <a:cs typeface="Consolas" panose="020B0609020204030204" pitchFamily="49" charset="0"/>
+              </a:rPr>
+              <a:t>&gt;20)]</a:t>
+            </a:r>
+          </a:p>
+          <a:p>
+            <a:pPr marL="0" indent="0">
+              <a:buNone/>
+            </a:pPr>
+            <a:r>
+              <a:rPr lang="en-US" sz="1600" dirty="0">
+                <a:solidFill>
+                  <a:srgbClr val="92D050"/>
+                </a:solidFill>
+                <a:latin typeface="Consolas" panose="020B0609020204030204" pitchFamily="49" charset="0"/>
+                <a:cs typeface="Consolas" panose="020B0609020204030204" pitchFamily="49" charset="0"/>
+              </a:rPr>
+              <a:t># Predict probability of being a gem using logistic regression</a:t>
+            </a:r>
+          </a:p>
+          <a:p>
+            <a:pPr marL="0" indent="0">
+              <a:buNone/>
+            </a:pPr>
+            <a:r>
+              <a:rPr lang="en-US" sz="1600" dirty="0" err="1">
+                <a:latin typeface="Consolas" panose="020B0609020204030204" pitchFamily="49" charset="0"/>
+                <a:cs typeface="Consolas" panose="020B0609020204030204" pitchFamily="49" charset="0"/>
+              </a:rPr>
+              <a:t>m_logit</a:t>
+            </a:r>
+            <a:r>
+              <a:rPr lang="en-US" sz="1600" dirty="0">
+                <a:latin typeface="Consolas" panose="020B0609020204030204" pitchFamily="49" charset="0"/>
+                <a:cs typeface="Consolas" panose="020B0609020204030204" pitchFamily="49" charset="0"/>
+              </a:rPr>
+              <a:t> = </a:t>
+            </a:r>
+            <a:r>
+              <a:rPr lang="en-US" sz="1600" dirty="0" err="1">
+                <a:latin typeface="Consolas" panose="020B0609020204030204" pitchFamily="49" charset="0"/>
+                <a:cs typeface="Consolas" panose="020B0609020204030204" pitchFamily="49" charset="0"/>
+              </a:rPr>
+              <a:t>glm</a:t>
+            </a:r>
+            <a:r>
+              <a:rPr lang="en-US" sz="1600" dirty="0">
+                <a:latin typeface="Consolas" panose="020B0609020204030204" pitchFamily="49" charset="0"/>
+                <a:cs typeface="Consolas" panose="020B0609020204030204" pitchFamily="49" charset="0"/>
+              </a:rPr>
+              <a:t>(gem ~ price + </a:t>
+            </a:r>
+            <a:r>
+              <a:rPr lang="en-US" sz="1600" dirty="0" err="1">
+                <a:latin typeface="Consolas" panose="020B0609020204030204" pitchFamily="49" charset="0"/>
+                <a:cs typeface="Consolas" panose="020B0609020204030204" pitchFamily="49" charset="0"/>
+              </a:rPr>
+              <a:t>guests_included</a:t>
+            </a:r>
+            <a:r>
+              <a:rPr lang="en-US" sz="1600" dirty="0">
+                <a:latin typeface="Consolas" panose="020B0609020204030204" pitchFamily="49" charset="0"/>
+                <a:cs typeface="Consolas" panose="020B0609020204030204" pitchFamily="49" charset="0"/>
+              </a:rPr>
+              <a:t> + city + </a:t>
+            </a:r>
+            <a:r>
+              <a:rPr lang="en-US" sz="1600" dirty="0" err="1">
+                <a:latin typeface="Consolas" panose="020B0609020204030204" pitchFamily="49" charset="0"/>
+                <a:cs typeface="Consolas" panose="020B0609020204030204" pitchFamily="49" charset="0"/>
+              </a:rPr>
+              <a:t>room_type</a:t>
+            </a:r>
+            <a:r>
+              <a:rPr lang="en-US" sz="1600" dirty="0">
+                <a:latin typeface="Consolas" panose="020B0609020204030204" pitchFamily="49" charset="0"/>
+                <a:cs typeface="Consolas" panose="020B0609020204030204" pitchFamily="49" charset="0"/>
+              </a:rPr>
+              <a:t>, data = </a:t>
+            </a:r>
+            <a:r>
+              <a:rPr lang="en-US" sz="1600" dirty="0" err="1">
+                <a:latin typeface="Consolas" panose="020B0609020204030204" pitchFamily="49" charset="0"/>
+                <a:cs typeface="Consolas" panose="020B0609020204030204" pitchFamily="49" charset="0"/>
+              </a:rPr>
+              <a:t>airbnb</a:t>
+            </a:r>
+            <a:r>
+              <a:rPr lang="en-US" sz="1600" dirty="0">
+                <a:latin typeface="Consolas" panose="020B0609020204030204" pitchFamily="49" charset="0"/>
+                <a:cs typeface="Consolas" panose="020B0609020204030204" pitchFamily="49" charset="0"/>
+              </a:rPr>
+              <a:t>, family = binomial)</a:t>
+            </a:r>
+          </a:p>
+          <a:p>
+            <a:pPr marL="0" indent="0">
+              <a:buNone/>
+            </a:pPr>
+            <a:r>
+              <a:rPr lang="en-US" sz="1600" dirty="0">
+                <a:solidFill>
+                  <a:srgbClr val="92D050"/>
+                </a:solidFill>
+                <a:latin typeface="Consolas" panose="020B0609020204030204" pitchFamily="49" charset="0"/>
+                <a:cs typeface="Consolas" panose="020B0609020204030204" pitchFamily="49" charset="0"/>
+              </a:rPr>
+              <a:t># Print results</a:t>
+            </a:r>
+          </a:p>
+          <a:p>
+            <a:pPr marL="0" indent="0">
+              <a:buNone/>
+            </a:pPr>
+            <a:r>
+              <a:rPr lang="en-US" sz="1600" dirty="0">
+                <a:latin typeface="Consolas" panose="020B0609020204030204" pitchFamily="49" charset="0"/>
+                <a:cs typeface="Consolas" panose="020B0609020204030204" pitchFamily="49" charset="0"/>
+              </a:rPr>
+              <a:t>stargazer(</a:t>
+            </a:r>
+            <a:r>
+              <a:rPr lang="en-US" sz="1600" dirty="0" err="1">
+                <a:latin typeface="Consolas" panose="020B0609020204030204" pitchFamily="49" charset="0"/>
+                <a:cs typeface="Consolas" panose="020B0609020204030204" pitchFamily="49" charset="0"/>
+              </a:rPr>
+              <a:t>m_logit</a:t>
+            </a:r>
+            <a:r>
+              <a:rPr lang="en-US" sz="1600" dirty="0">
+                <a:latin typeface="Consolas" panose="020B0609020204030204" pitchFamily="49" charset="0"/>
+                <a:cs typeface="Consolas" panose="020B0609020204030204" pitchFamily="49" charset="0"/>
+              </a:rPr>
+              <a:t>, type = "text", </a:t>
+            </a:r>
+          </a:p>
+          <a:p>
+            <a:pPr marL="0" indent="0">
+              <a:buNone/>
+            </a:pPr>
+            <a:r>
+              <a:rPr lang="en-US" sz="1600" dirty="0">
+                <a:latin typeface="Consolas" panose="020B0609020204030204" pitchFamily="49" charset="0"/>
+                <a:cs typeface="Consolas" panose="020B0609020204030204" pitchFamily="49" charset="0"/>
+              </a:rPr>
+              <a:t>          </a:t>
+            </a:r>
+            <a:r>
+              <a:rPr lang="en-US" sz="1600" dirty="0" err="1">
+                <a:latin typeface="Consolas" panose="020B0609020204030204" pitchFamily="49" charset="0"/>
+                <a:cs typeface="Consolas" panose="020B0609020204030204" pitchFamily="49" charset="0"/>
+              </a:rPr>
+              <a:t>omit.stat</a:t>
+            </a:r>
+            <a:r>
+              <a:rPr lang="en-US" sz="1600" dirty="0">
+                <a:latin typeface="Consolas" panose="020B0609020204030204" pitchFamily="49" charset="0"/>
+                <a:cs typeface="Consolas" panose="020B0609020204030204" pitchFamily="49" charset="0"/>
+              </a:rPr>
+              <a:t> = c("f", "ser", "</a:t>
+            </a:r>
+            <a:r>
+              <a:rPr lang="en-US" sz="1600" dirty="0" err="1">
+                <a:latin typeface="Consolas" panose="020B0609020204030204" pitchFamily="49" charset="0"/>
+                <a:cs typeface="Consolas" panose="020B0609020204030204" pitchFamily="49" charset="0"/>
+              </a:rPr>
+              <a:t>aic</a:t>
+            </a:r>
+            <a:r>
+              <a:rPr lang="en-US" sz="1600" dirty="0">
+                <a:latin typeface="Consolas" panose="020B0609020204030204" pitchFamily="49" charset="0"/>
+                <a:cs typeface="Consolas" panose="020B0609020204030204" pitchFamily="49" charset="0"/>
+              </a:rPr>
+              <a:t>", "</a:t>
+            </a:r>
+            <a:r>
+              <a:rPr lang="en-US" sz="1600" dirty="0" err="1">
+                <a:latin typeface="Consolas" panose="020B0609020204030204" pitchFamily="49" charset="0"/>
+                <a:cs typeface="Consolas" panose="020B0609020204030204" pitchFamily="49" charset="0"/>
+              </a:rPr>
+              <a:t>bic</a:t>
+            </a:r>
+            <a:r>
+              <a:rPr lang="en-US" sz="1600" dirty="0">
+                <a:latin typeface="Consolas" panose="020B0609020204030204" pitchFamily="49" charset="0"/>
+                <a:cs typeface="Consolas" panose="020B0609020204030204" pitchFamily="49" charset="0"/>
+              </a:rPr>
+              <a:t>"))</a:t>
+            </a:r>
+          </a:p>
+        </p:txBody>
+      </p:sp>
+      <p:pic>
+        <p:nvPicPr>
+          <p:cNvPr id="5" name="Picture 4" descr="A screenshot of a computer code&#10;&#10;AI-generated content may be incorrect.">
+            <a:extLst>
+              <a:ext uri="{FF2B5EF4-FFF2-40B4-BE49-F238E27FC236}">
+                <a16:creationId xmlns:a16="http://schemas.microsoft.com/office/drawing/2014/main" id="{089C4F32-CE6F-2ADC-1709-CFBAF068A31B}"/>
+              </a:ext>
+            </a:extLst>
+          </p:cNvPr>
+          <p:cNvPicPr>
+            <a:picLocks noChangeAspect="1"/>
+          </p:cNvPicPr>
+          <p:nvPr/>
+        </p:nvPicPr>
+        <p:blipFill>
+          <a:blip r:embed="rId2"/>
+          <a:stretch>
+            <a:fillRect/>
+          </a:stretch>
+        </p:blipFill>
+        <p:spPr>
+          <a:xfrm>
+            <a:off x="7304182" y="112642"/>
+            <a:ext cx="4049617" cy="6668240"/>
+          </a:xfrm>
+          <a:prstGeom prst="rect">
+            <a:avLst/>
+          </a:prstGeom>
+        </p:spPr>
+      </p:pic>
+      <p:sp>
+        <p:nvSpPr>
+          <p:cNvPr id="6" name="TextBox 5">
+            <a:extLst>
+              <a:ext uri="{FF2B5EF4-FFF2-40B4-BE49-F238E27FC236}">
+                <a16:creationId xmlns:a16="http://schemas.microsoft.com/office/drawing/2014/main" id="{A82791FA-8DD9-BD48-D78F-2E932A0794FC}"/>
+              </a:ext>
+            </a:extLst>
+          </p:cNvPr>
+          <p:cNvSpPr txBox="1"/>
+          <p:nvPr/>
+        </p:nvSpPr>
+        <p:spPr>
+          <a:xfrm>
+            <a:off x="728031" y="5495085"/>
+            <a:ext cx="6097836" cy="646331"/>
+          </a:xfrm>
+          <a:prstGeom prst="rect">
+            <a:avLst/>
+          </a:prstGeom>
+          <a:noFill/>
+          <a:ln w="31750">
+            <a:solidFill>
+              <a:srgbClr val="C00000"/>
+            </a:solidFill>
+          </a:ln>
+        </p:spPr>
+        <p:txBody>
+          <a:bodyPr wrap="square">
+            <a:spAutoFit/>
+          </a:bodyPr>
+          <a:lstStyle/>
+          <a:p>
+            <a:r>
+              <a:rPr lang="en-US" dirty="0"/>
+              <a:t>The coefficient of </a:t>
+            </a:r>
+            <a:r>
+              <a:rPr lang="en-US" b="1" dirty="0"/>
+              <a:t>–0.002</a:t>
+            </a:r>
+            <a:r>
+              <a:rPr lang="en-US" dirty="0"/>
+              <a:t> means each </a:t>
+            </a:r>
+            <a:r>
+              <a:rPr lang="en-US" b="1" dirty="0"/>
+              <a:t>$1 increase in price decreases the odds of being a gem by about 0.2%</a:t>
+            </a:r>
+            <a:r>
+              <a:rPr lang="en-US" dirty="0"/>
+              <a:t>.</a:t>
+            </a:r>
+          </a:p>
+        </p:txBody>
+      </p:sp>
+      <p:sp>
+        <p:nvSpPr>
+          <p:cNvPr id="7" name="Oval 6">
+            <a:extLst>
+              <a:ext uri="{FF2B5EF4-FFF2-40B4-BE49-F238E27FC236}">
+                <a16:creationId xmlns:a16="http://schemas.microsoft.com/office/drawing/2014/main" id="{B7EF8C61-32E8-540A-B8A2-57DADCBF4560}"/>
+              </a:ext>
+            </a:extLst>
+          </p:cNvPr>
+          <p:cNvSpPr/>
+          <p:nvPr/>
+        </p:nvSpPr>
+        <p:spPr>
+          <a:xfrm>
+            <a:off x="9519781" y="789140"/>
+            <a:ext cx="1052186" cy="739028"/>
+          </a:xfrm>
+          <a:prstGeom prst="ellipse">
+            <a:avLst/>
+          </a:prstGeom>
+          <a:noFill/>
+          <a:ln w="31750">
+            <a:solidFill>
+              <a:srgbClr val="C00000"/>
+            </a:solidFill>
+          </a:ln>
+        </p:spPr>
+        <p:style>
+          <a:lnRef idx="2">
+            <a:schemeClr val="accent1">
+              <a:shade val="15000"/>
+            </a:schemeClr>
+          </a:lnRef>
+          <a:fillRef idx="1">
+            <a:schemeClr val="accent1"/>
+          </a:fillRef>
+          <a:effectRef idx="0">
+            <a:schemeClr val="accent1"/>
+          </a:effectRef>
+          <a:fontRef idx="minor">
+            <a:schemeClr val="lt1"/>
+          </a:fontRef>
+        </p:style>
+        <p:txBody>
+          <a:bodyPr rtlCol="0" anchor="ctr"/>
+          <a:lstStyle/>
+          <a:p>
+            <a:pPr algn="ctr"/>
+            <a:endParaRPr lang="en-US" dirty="0"/>
+          </a:p>
+        </p:txBody>
+      </p:sp>
+      <p:cxnSp>
+        <p:nvCxnSpPr>
+          <p:cNvPr id="9" name="Straight Arrow Connector 8">
+            <a:extLst>
+              <a:ext uri="{FF2B5EF4-FFF2-40B4-BE49-F238E27FC236}">
+                <a16:creationId xmlns:a16="http://schemas.microsoft.com/office/drawing/2014/main" id="{61192CAB-F18B-DBBD-D742-949E17C141A8}"/>
+              </a:ext>
+            </a:extLst>
+          </p:cNvPr>
+          <p:cNvCxnSpPr/>
+          <p:nvPr/>
+        </p:nvCxnSpPr>
+        <p:spPr>
+          <a:xfrm flipH="1">
+            <a:off x="6275540" y="1427967"/>
+            <a:ext cx="3369501" cy="4067118"/>
+          </a:xfrm>
+          <a:prstGeom prst="straightConnector1">
+            <a:avLst/>
+          </a:prstGeom>
+          <a:ln w="31750">
+            <a:solidFill>
+              <a:srgbClr val="C00000"/>
+            </a:solidFill>
+            <a:tailEnd type="triangle"/>
+          </a:ln>
+        </p:spPr>
+        <p:style>
+          <a:lnRef idx="2">
+            <a:schemeClr val="accent1"/>
+          </a:lnRef>
+          <a:fillRef idx="0">
+            <a:schemeClr val="accent1"/>
+          </a:fillRef>
+          <a:effectRef idx="1">
+            <a:schemeClr val="accent1"/>
+          </a:effectRef>
+          <a:fontRef idx="minor">
+            <a:schemeClr val="tx1"/>
+          </a:fontRef>
+        </p:style>
+      </p:cxnSp>
+    </p:spTree>
+    <p:extLst>
+      <p:ext uri="{BB962C8B-B14F-4D97-AF65-F5344CB8AC3E}">
+        <p14:creationId xmlns:p14="http://schemas.microsoft.com/office/powerpoint/2010/main" val="2161806779"/>
+      </p:ext>
+    </p:extLst>
+  </p:cSld>
+  <p:clrMapOvr>
+    <a:masterClrMapping/>
+  </p:clrMapOvr>
+</p:sld>
+</file>
+
 <file path=ppt/slides/slide2.xml><?xml version="1.0" encoding="utf-8"?>
 <p:sld xmlns:a="http://schemas.openxmlformats.org/drawingml/2006/main" xmlns:r="http://schemas.openxmlformats.org/officeDocument/2006/relationships" xmlns:p="http://schemas.openxmlformats.org/presentationml/2006/main">
   <p:cSld>
@@ -5881,8 +6416,8 @@
           </a:p>
         </p:txBody>
       </p:sp>
-      <mc:AlternateContent xmlns:mc="http://schemas.openxmlformats.org/markup-compatibility/2006">
-        <mc:Choice xmlns:a14="http://schemas.microsoft.com/office/drawing/2010/main" Requires="a14">
+      <mc:AlternateContent xmlns:mc="http://schemas.openxmlformats.org/markup-compatibility/2006" xmlns:a14="http://schemas.microsoft.com/office/drawing/2010/main">
+        <mc:Choice Requires="a14">
           <p:sp>
             <p:nvSpPr>
               <p:cNvPr id="3" name="Content Placeholder 2">
@@ -6364,7 +6899,7 @@
             </p:txBody>
           </p:sp>
         </mc:Choice>
-        <mc:Fallback>
+        <mc:Fallback xmlns="">
           <p:sp>
             <p:nvSpPr>
               <p:cNvPr id="3" name="Content Placeholder 2">
@@ -6559,8 +7094,8 @@
           </a:p>
         </p:txBody>
       </p:sp>
-      <mc:AlternateContent xmlns:mc="http://schemas.openxmlformats.org/markup-compatibility/2006">
-        <mc:Choice xmlns:a14="http://schemas.microsoft.com/office/drawing/2010/main" Requires="a14">
+      <mc:AlternateContent xmlns:mc="http://schemas.openxmlformats.org/markup-compatibility/2006" xmlns:a14="http://schemas.microsoft.com/office/drawing/2010/main">
+        <mc:Choice Requires="a14">
           <p:sp>
             <p:nvSpPr>
               <p:cNvPr id="3" name="Content Placeholder 2">
@@ -6723,7 +7258,7 @@
             </p:txBody>
           </p:sp>
         </mc:Choice>
-        <mc:Fallback>
+        <mc:Fallback xmlns="">
           <p:sp>
             <p:nvSpPr>
               <p:cNvPr id="3" name="Content Placeholder 2">

--- a/w4/w4-2-logit.pptx
+++ b/w4/w4-2-logit.pptx
@@ -8,8 +8,8 @@
     <p:sldId id="273" r:id="rId2"/>
     <p:sldId id="257" r:id="rId3"/>
     <p:sldId id="268" r:id="rId4"/>
-    <p:sldId id="271" r:id="rId5"/>
-    <p:sldId id="272" r:id="rId6"/>
+    <p:sldId id="280" r:id="rId5"/>
+    <p:sldId id="281" r:id="rId6"/>
     <p:sldId id="269" r:id="rId7"/>
     <p:sldId id="270" r:id="rId8"/>
     <p:sldId id="274" r:id="rId9"/>
@@ -270,7 +270,7 @@
           <a:p>
             <a:fld id="{5B1E926E-0429-6548-8C70-82D5B656A7C9}" type="datetimeFigureOut">
               <a:rPr lang="en-US" smtClean="0"/>
-              <a:t>9/15/25</a:t>
+              <a:t>9/16/25</a:t>
             </a:fld>
             <a:endParaRPr lang="en-US"/>
           </a:p>
@@ -468,7 +468,7 @@
           <a:p>
             <a:fld id="{5B1E926E-0429-6548-8C70-82D5B656A7C9}" type="datetimeFigureOut">
               <a:rPr lang="en-US" smtClean="0"/>
-              <a:t>9/15/25</a:t>
+              <a:t>9/16/25</a:t>
             </a:fld>
             <a:endParaRPr lang="en-US"/>
           </a:p>
@@ -676,7 +676,7 @@
           <a:p>
             <a:fld id="{5B1E926E-0429-6548-8C70-82D5B656A7C9}" type="datetimeFigureOut">
               <a:rPr lang="en-US" smtClean="0"/>
-              <a:t>9/15/25</a:t>
+              <a:t>9/16/25</a:t>
             </a:fld>
             <a:endParaRPr lang="en-US"/>
           </a:p>
@@ -874,7 +874,7 @@
           <a:p>
             <a:fld id="{5B1E926E-0429-6548-8C70-82D5B656A7C9}" type="datetimeFigureOut">
               <a:rPr lang="en-US" smtClean="0"/>
-              <a:t>9/15/25</a:t>
+              <a:t>9/16/25</a:t>
             </a:fld>
             <a:endParaRPr lang="en-US"/>
           </a:p>
@@ -1149,7 +1149,7 @@
           <a:p>
             <a:fld id="{5B1E926E-0429-6548-8C70-82D5B656A7C9}" type="datetimeFigureOut">
               <a:rPr lang="en-US" smtClean="0"/>
-              <a:t>9/15/25</a:t>
+              <a:t>9/16/25</a:t>
             </a:fld>
             <a:endParaRPr lang="en-US"/>
           </a:p>
@@ -1414,7 +1414,7 @@
           <a:p>
             <a:fld id="{5B1E926E-0429-6548-8C70-82D5B656A7C9}" type="datetimeFigureOut">
               <a:rPr lang="en-US" smtClean="0"/>
-              <a:t>9/15/25</a:t>
+              <a:t>9/16/25</a:t>
             </a:fld>
             <a:endParaRPr lang="en-US"/>
           </a:p>
@@ -1826,7 +1826,7 @@
           <a:p>
             <a:fld id="{5B1E926E-0429-6548-8C70-82D5B656A7C9}" type="datetimeFigureOut">
               <a:rPr lang="en-US" smtClean="0"/>
-              <a:t>9/15/25</a:t>
+              <a:t>9/16/25</a:t>
             </a:fld>
             <a:endParaRPr lang="en-US"/>
           </a:p>
@@ -1967,7 +1967,7 @@
           <a:p>
             <a:fld id="{5B1E926E-0429-6548-8C70-82D5B656A7C9}" type="datetimeFigureOut">
               <a:rPr lang="en-US" smtClean="0"/>
-              <a:t>9/15/25</a:t>
+              <a:t>9/16/25</a:t>
             </a:fld>
             <a:endParaRPr lang="en-US"/>
           </a:p>
@@ -2080,7 +2080,7 @@
           <a:p>
             <a:fld id="{5B1E926E-0429-6548-8C70-82D5B656A7C9}" type="datetimeFigureOut">
               <a:rPr lang="en-US" smtClean="0"/>
-              <a:t>9/15/25</a:t>
+              <a:t>9/16/25</a:t>
             </a:fld>
             <a:endParaRPr lang="en-US"/>
           </a:p>
@@ -2391,7 +2391,7 @@
           <a:p>
             <a:fld id="{5B1E926E-0429-6548-8C70-82D5B656A7C9}" type="datetimeFigureOut">
               <a:rPr lang="en-US" smtClean="0"/>
-              <a:t>9/15/25</a:t>
+              <a:t>9/16/25</a:t>
             </a:fld>
             <a:endParaRPr lang="en-US"/>
           </a:p>
@@ -2679,7 +2679,7 @@
           <a:p>
             <a:fld id="{5B1E926E-0429-6548-8C70-82D5B656A7C9}" type="datetimeFigureOut">
               <a:rPr lang="en-US" smtClean="0"/>
-              <a:t>9/15/25</a:t>
+              <a:t>9/16/25</a:t>
             </a:fld>
             <a:endParaRPr lang="en-US"/>
           </a:p>
@@ -2920,7 +2920,7 @@
           <a:p>
             <a:fld id="{5B1E926E-0429-6548-8C70-82D5B656A7C9}" type="datetimeFigureOut">
               <a:rPr lang="en-US" smtClean="0"/>
-              <a:t>9/15/25</a:t>
+              <a:t>9/16/25</a:t>
             </a:fld>
             <a:endParaRPr lang="en-US"/>
           </a:p>
@@ -4886,6 +4886,15 @@
               <a:t>Linear regression can return predictions outside [0,1]</a:t>
             </a:r>
           </a:p>
+          <a:p>
+            <a:endParaRPr lang="en-US" dirty="0"/>
+          </a:p>
+          <a:p>
+            <a:r>
+              <a:rPr lang="en-US" dirty="0"/>
+              <a:t>We need a different functional form that can force predictions between [0,1]</a:t>
+            </a:r>
+          </a:p>
         </p:txBody>
       </p:sp>
     </p:spTree>
@@ -4909,7 +4918,7 @@
         <p:cNvPr id="1" name="">
           <a:extLst>
             <a:ext uri="{FF2B5EF4-FFF2-40B4-BE49-F238E27FC236}">
-              <a16:creationId xmlns:a16="http://schemas.microsoft.com/office/drawing/2014/main" id="{0934A255-AC79-5501-8ED2-C2FCDE4F6096}"/>
+              <a16:creationId xmlns:a16="http://schemas.microsoft.com/office/drawing/2014/main" id="{EEF15C5D-75CF-218E-516E-B937B7BFCFBB}"/>
             </a:ext>
           </a:extLst>
         </p:cNvPr>
@@ -4929,7 +4938,7 @@
           <p:cNvPr id="2" name="Title 1">
             <a:extLst>
               <a:ext uri="{FF2B5EF4-FFF2-40B4-BE49-F238E27FC236}">
-                <a16:creationId xmlns:a16="http://schemas.microsoft.com/office/drawing/2014/main" id="{01427D8B-8E45-79DF-8DE1-0504DCB089B7}"/>
+                <a16:creationId xmlns:a16="http://schemas.microsoft.com/office/drawing/2014/main" id="{2F806C56-DE5E-C8FF-9046-D10B1FCE1982}"/>
               </a:ext>
             </a:extLst>
           </p:cNvPr>
@@ -4952,14 +4961,14 @@
           </a:p>
         </p:txBody>
       </p:sp>
-      <mc:AlternateContent xmlns:mc="http://schemas.openxmlformats.org/markup-compatibility/2006" xmlns:a14="http://schemas.microsoft.com/office/drawing/2010/main">
-        <mc:Choice Requires="a14">
+      <mc:AlternateContent xmlns:mc="http://schemas.openxmlformats.org/markup-compatibility/2006">
+        <mc:Choice xmlns:a14="http://schemas.microsoft.com/office/drawing/2010/main" Requires="a14">
           <p:sp>
             <p:nvSpPr>
               <p:cNvPr id="3" name="Content Placeholder 2">
                 <a:extLst>
                   <a:ext uri="{FF2B5EF4-FFF2-40B4-BE49-F238E27FC236}">
-                    <a16:creationId xmlns:a16="http://schemas.microsoft.com/office/drawing/2014/main" id="{9BC4C9C1-D799-E6EB-2652-94D8A2E263F2}"/>
+                    <a16:creationId xmlns:a16="http://schemas.microsoft.com/office/drawing/2014/main" id="{377EC1FC-8039-F3ED-827C-5FBC7D876B88}"/>
                   </a:ext>
                 </a:extLst>
               </p:cNvPr>
@@ -4970,323 +4979,259 @@
                 <p:ph idx="1"/>
               </p:nvPr>
             </p:nvSpPr>
-            <p:spPr/>
+            <p:spPr>
+              <a:xfrm>
+                <a:off x="838200" y="1825624"/>
+                <a:ext cx="10515600" cy="4809351"/>
+              </a:xfrm>
+            </p:spPr>
             <p:txBody>
               <a:bodyPr>
-                <a:normAutofit/>
+                <a:normAutofit lnSpcReduction="10000"/>
               </a:bodyPr>
               <a:lstStyle/>
               <a:p>
+                <a:pPr marL="0" indent="0">
+                  <a:buNone/>
+                </a:pPr>
+                <a:r>
+                  <a:rPr lang="en-US" b="1" dirty="0"/>
+                  <a:t>Solution: </a:t>
+                </a:r>
                 <a:r>
                   <a:rPr lang="en-US" dirty="0"/>
-                  <a:t>We need a different functional form</a:t>
+                  <a:t>use the </a:t>
+                </a:r>
+                <a:r>
+                  <a:rPr lang="en-US" b="1" dirty="0"/>
+                  <a:t>logistic (sigmoid) function</a:t>
+                </a:r>
+                <a:r>
+                  <a:rPr lang="en-US" dirty="0"/>
+                  <a:t>, which maps any real number into [0,1]</a:t>
+                </a:r>
+                <a14:m>
+                  <m:oMath xmlns:m="http://schemas.openxmlformats.org/officeDocument/2006/math">
+                    <m:r>
+                      <a:rPr lang="en-US" b="0" i="0" smtClean="0">
+                        <a:latin typeface="Cambria Math" panose="02040503050406030204" pitchFamily="18" charset="0"/>
+                      </a:rPr>
+                      <m:t>:</m:t>
+                    </m:r>
+                  </m:oMath>
+                </a14:m>
+                <a:endParaRPr lang="ar-AE" dirty="0"/>
+              </a:p>
+              <a:p>
+                <a:pPr marL="0" indent="0">
+                  <a:buNone/>
+                </a:pPr>
+                <a14:m>
+                  <m:oMathPara xmlns:m="http://schemas.openxmlformats.org/officeDocument/2006/math">
+                    <m:oMathParaPr>
+                      <m:jc m:val="centerGroup"/>
+                    </m:oMathParaPr>
+                    <m:oMath xmlns:m="http://schemas.openxmlformats.org/officeDocument/2006/math">
+                      <m:r>
+                        <a:rPr lang="ar-AE" i="1"/>
+                        <m:t>𝑝</m:t>
+                      </m:r>
+                      <m:r>
+                        <a:rPr lang="ar-AE"/>
+                        <m:t>=</m:t>
+                      </m:r>
+                      <m:r>
+                        <a:rPr lang="ar-AE" i="1"/>
+                        <m:t>𝑃</m:t>
+                      </m:r>
+                      <m:d>
+                        <m:dPr>
+                          <m:ctrlPr>
+                            <a:rPr lang="ar-AE" i="1"/>
+                          </m:ctrlPr>
+                        </m:dPr>
+                        <m:e>
+                          <m:r>
+                            <a:rPr lang="ar-AE" i="1"/>
+                            <m:t>𝑌</m:t>
+                          </m:r>
+                          <m:r>
+                            <a:rPr lang="ar-AE"/>
+                            <m:t>=1∣</m:t>
+                          </m:r>
+                          <m:r>
+                            <a:rPr lang="ar-AE" i="1"/>
+                            <m:t>𝑋</m:t>
+                          </m:r>
+                        </m:e>
+                      </m:d>
+                      <m:r>
+                        <a:rPr lang="ar-AE"/>
+                        <m:t>=</m:t>
+                      </m:r>
+                      <m:f>
+                        <m:fPr>
+                          <m:ctrlPr>
+                            <a:rPr lang="ar-AE" i="1"/>
+                          </m:ctrlPr>
+                        </m:fPr>
+                        <m:num>
+                          <m:r>
+                            <a:rPr lang="ar-AE"/>
+                            <m:t>1</m:t>
+                          </m:r>
+                        </m:num>
+                        <m:den>
+                          <m:r>
+                            <a:rPr lang="ar-AE"/>
+                            <m:t>1+</m:t>
+                          </m:r>
+                          <m:sSup>
+                            <m:sSupPr>
+                              <m:ctrlPr>
+                                <a:rPr lang="ar-AE" i="1"/>
+                              </m:ctrlPr>
+                            </m:sSupPr>
+                            <m:e>
+                              <m:r>
+                                <a:rPr lang="ar-AE" i="1"/>
+                                <m:t>𝑒</m:t>
+                              </m:r>
+                            </m:e>
+                            <m:sup>
+                              <m:r>
+                                <a:rPr lang="ar-AE"/>
+                                <m:t>−</m:t>
+                              </m:r>
+                              <m:r>
+                                <a:rPr lang="ar-AE" i="1"/>
+                                <m:t>𝑧</m:t>
+                              </m:r>
+                            </m:sup>
+                          </m:sSup>
+                        </m:den>
+                      </m:f>
+                    </m:oMath>
+                  </m:oMathPara>
+                </a14:m>
+                <a:endParaRPr lang="ar-AE" dirty="0"/>
+              </a:p>
+              <a:p>
+                <a:pPr marL="0" indent="0">
+                  <a:buNone/>
+                </a:pPr>
+                <a:r>
+                  <a:rPr lang="en-US" dirty="0"/>
+                  <a:t>Where: </a:t>
+                </a:r>
+                <a14:m>
+                  <m:oMath xmlns:m="http://schemas.openxmlformats.org/officeDocument/2006/math">
+                    <m:r>
+                      <a:rPr lang="en-US" i="1"/>
+                      <m:t>𝑧</m:t>
+                    </m:r>
+                    <m:r>
+                      <a:rPr lang="en-US"/>
+                      <m:t>=</m:t>
+                    </m:r>
+                    <m:sSub>
+                      <m:sSubPr>
+                        <m:ctrlPr>
+                          <a:rPr lang="ar-AE" i="1"/>
+                        </m:ctrlPr>
+                      </m:sSubPr>
+                      <m:e>
+                        <m:r>
+                          <a:rPr lang="ar-AE" i="1"/>
+                          <m:t>𝛽</m:t>
+                        </m:r>
+                      </m:e>
+                      <m:sub>
+                        <m:r>
+                          <a:rPr lang="ar-AE"/>
+                          <m:t>0</m:t>
+                        </m:r>
+                      </m:sub>
+                    </m:sSub>
+                    <m:r>
+                      <a:rPr lang="ar-AE"/>
+                      <m:t>+</m:t>
+                    </m:r>
+                    <m:sSub>
+                      <m:sSubPr>
+                        <m:ctrlPr>
+                          <a:rPr lang="ar-AE" i="1"/>
+                        </m:ctrlPr>
+                      </m:sSubPr>
+                      <m:e>
+                        <m:r>
+                          <a:rPr lang="ar-AE" i="1"/>
+                          <m:t>𝛽</m:t>
+                        </m:r>
+                      </m:e>
+                      <m:sub>
+                        <m:r>
+                          <a:rPr lang="ar-AE"/>
+                          <m:t>1</m:t>
+                        </m:r>
+                      </m:sub>
+                    </m:sSub>
+                    <m:r>
+                      <a:rPr lang="ar-AE" i="1"/>
+                      <m:t>𝑋</m:t>
+                    </m:r>
+                  </m:oMath>
+                </a14:m>
+                <a:br>
+                  <a:rPr lang="ar-AE" dirty="0"/>
+                </a:br>
+                <a:endParaRPr lang="ar-AE" dirty="0"/>
+              </a:p>
+              <a:p>
+                <a:pPr marL="0" indent="0">
+                  <a:buNone/>
+                </a:pPr>
+                <a:r>
+                  <a:rPr lang="en-US" b="1" dirty="0">
+                    <a:solidFill>
+                      <a:schemeClr val="bg1"/>
+                    </a:solidFill>
+                  </a:rPr>
+                  <a:t>Odds and Log-Odds:</a:t>
                 </a:r>
               </a:p>
               <a:p>
                 <a:pPr lvl="1"/>
-                <a:r>
-                  <a:rPr lang="en-US" b="1" dirty="0"/>
-                  <a:t>Logistic</a:t>
-                </a:r>
-                <a:r>
-                  <a:rPr lang="en-US" dirty="0"/>
-                  <a:t> (sigmoid) </a:t>
-                </a:r>
-                <a:r>
-                  <a:rPr lang="en-US" b="1" dirty="0"/>
-                  <a:t>function</a:t>
-                </a:r>
-                <a:r>
-                  <a:rPr lang="en-US" dirty="0"/>
-                  <a:t>: </a:t>
-                </a:r>
-              </a:p>
-              <a:p>
-                <a:pPr lvl="2"/>
-                <a:r>
-                  <a:rPr lang="en-US" b="0" dirty="0"/>
-                  <a:t>Probability of success </a:t>
-                </a:r>
-                <a:r>
-                  <a:rPr lang="en-US" b="0" dirty="0">
-                    <a:sym typeface="Wingdings" pitchFamily="2" charset="2"/>
-                  </a:rPr>
-                  <a:t> </a:t>
-                </a:r>
-                <a14:m>
-                  <m:oMath xmlns:m="http://schemas.openxmlformats.org/officeDocument/2006/math">
-                    <m:r>
-                      <m:rPr>
-                        <m:sty m:val="p"/>
-                      </m:rPr>
-                      <a:rPr lang="en-US" b="0" i="0" smtClean="0">
-                        <a:latin typeface="Cambria Math" panose="02040503050406030204" pitchFamily="18" charset="0"/>
-                      </a:rPr>
-                      <m:t>p</m:t>
-                    </m:r>
-                    <m:r>
-                      <a:rPr lang="en-US" b="0" i="0" smtClean="0">
-                        <a:latin typeface="Cambria Math" panose="02040503050406030204" pitchFamily="18" charset="0"/>
-                      </a:rPr>
-                      <m:t>= </m:t>
-                    </m:r>
-                    <m:r>
-                      <a:rPr lang="en-US" b="0" i="1" smtClean="0">
-                        <a:latin typeface="Cambria Math" panose="02040503050406030204" pitchFamily="18" charset="0"/>
-                      </a:rPr>
-                      <m:t>𝑃</m:t>
-                    </m:r>
-                    <m:d>
-                      <m:dPr>
-                        <m:ctrlPr>
-                          <a:rPr lang="en-US" b="0" i="1" smtClean="0">
-                            <a:latin typeface="Cambria Math" panose="02040503050406030204" pitchFamily="18" charset="0"/>
-                          </a:rPr>
-                        </m:ctrlPr>
-                      </m:dPr>
-                      <m:e>
-                        <m:r>
-                          <a:rPr lang="en-US" b="0" i="1" smtClean="0">
-                            <a:latin typeface="Cambria Math" panose="02040503050406030204" pitchFamily="18" charset="0"/>
-                          </a:rPr>
-                          <m:t>𝑌</m:t>
-                        </m:r>
-                        <m:r>
-                          <a:rPr lang="en-US" b="0" i="1" smtClean="0">
-                            <a:latin typeface="Cambria Math" panose="02040503050406030204" pitchFamily="18" charset="0"/>
-                          </a:rPr>
-                          <m:t>=1</m:t>
-                        </m:r>
-                      </m:e>
-                      <m:e>
-                        <m:r>
-                          <a:rPr lang="en-US" b="0" i="1" smtClean="0">
-                            <a:latin typeface="Cambria Math" panose="02040503050406030204" pitchFamily="18" charset="0"/>
-                          </a:rPr>
-                          <m:t>𝑋</m:t>
-                        </m:r>
-                      </m:e>
-                    </m:d>
-                    <m:r>
-                      <a:rPr lang="en-US" b="0" i="1" smtClean="0">
-                        <a:latin typeface="Cambria Math" panose="02040503050406030204" pitchFamily="18" charset="0"/>
-                      </a:rPr>
-                      <m:t>=</m:t>
-                    </m:r>
-                    <m:f>
-                      <m:fPr>
-                        <m:ctrlPr>
-                          <a:rPr lang="en-US" b="0" i="1" smtClean="0">
-                            <a:latin typeface="Cambria Math" panose="02040503050406030204" pitchFamily="18" charset="0"/>
-                          </a:rPr>
-                        </m:ctrlPr>
-                      </m:fPr>
-                      <m:num>
-                        <m:r>
-                          <a:rPr lang="en-US" b="0" i="1" smtClean="0">
-                            <a:latin typeface="Cambria Math" panose="02040503050406030204" pitchFamily="18" charset="0"/>
-                          </a:rPr>
-                          <m:t>1</m:t>
-                        </m:r>
-                      </m:num>
-                      <m:den>
-                        <m:r>
-                          <a:rPr lang="en-US" b="0" i="1" smtClean="0">
-                            <a:latin typeface="Cambria Math" panose="02040503050406030204" pitchFamily="18" charset="0"/>
-                          </a:rPr>
-                          <m:t>1+</m:t>
-                        </m:r>
-                        <m:sSup>
-                          <m:sSupPr>
-                            <m:ctrlPr>
-                              <a:rPr lang="en-US" b="0" i="1" smtClean="0">
-                                <a:latin typeface="Cambria Math" panose="02040503050406030204" pitchFamily="18" charset="0"/>
-                              </a:rPr>
-                            </m:ctrlPr>
-                          </m:sSupPr>
-                          <m:e>
-                            <m:r>
-                              <a:rPr lang="en-US" b="0" i="1" smtClean="0">
-                                <a:latin typeface="Cambria Math" panose="02040503050406030204" pitchFamily="18" charset="0"/>
-                              </a:rPr>
-                              <m:t>𝑒</m:t>
-                            </m:r>
-                          </m:e>
-                          <m:sup>
-                            <m:r>
-                              <a:rPr lang="en-US" b="0" i="1" smtClean="0">
-                                <a:latin typeface="Cambria Math" panose="02040503050406030204" pitchFamily="18" charset="0"/>
-                              </a:rPr>
-                              <m:t>𝑧</m:t>
-                            </m:r>
-                          </m:sup>
-                        </m:sSup>
-                      </m:den>
-                    </m:f>
-                  </m:oMath>
-                </a14:m>
-                <a:r>
-                  <a:rPr lang="en-US" dirty="0"/>
-                  <a:t>	</a:t>
-                </a:r>
-              </a:p>
-              <a:p>
-                <a:pPr lvl="2"/>
-                <a:r>
-                  <a:rPr lang="en-US" dirty="0"/>
-                  <a:t>Smoothly “squashes” any real number </a:t>
-                </a:r>
-                <a:r>
-                  <a:rPr lang="en-US" i="1" dirty="0"/>
-                  <a:t>z</a:t>
-                </a:r>
-                <a:r>
-                  <a:rPr lang="en-US" dirty="0"/>
-                  <a:t> into a number between 0 and 1</a:t>
-                </a:r>
-              </a:p>
-              <a:p>
-                <a:pPr lvl="2"/>
-                <a:endParaRPr lang="en-US" dirty="0"/>
-              </a:p>
-              <a:p>
                 <a:r>
                   <a:rPr lang="en-US" dirty="0">
                     <a:solidFill>
                       <a:schemeClr val="bg1"/>
                     </a:solidFill>
                   </a:rPr>
-                  <a:t>So, given our linear predictor: </a:t>
+                  <a:t>The </a:t>
                 </a:r>
-                <a14:m>
-                  <m:oMath xmlns:m="http://schemas.openxmlformats.org/officeDocument/2006/math">
-                    <m:r>
-                      <a:rPr lang="en-US" b="0" i="1" smtClean="0">
-                        <a:solidFill>
-                          <a:schemeClr val="bg1"/>
-                        </a:solidFill>
-                        <a:latin typeface="Cambria Math" panose="02040503050406030204" pitchFamily="18" charset="0"/>
-                      </a:rPr>
-                      <m:t>𝑧</m:t>
-                    </m:r>
-                    <m:r>
-                      <a:rPr lang="en-US" b="0" i="1" smtClean="0">
-                        <a:solidFill>
-                          <a:schemeClr val="bg1"/>
-                        </a:solidFill>
-                        <a:latin typeface="Cambria Math" panose="02040503050406030204" pitchFamily="18" charset="0"/>
-                      </a:rPr>
-                      <m:t>=</m:t>
-                    </m:r>
-                    <m:sSub>
-                      <m:sSubPr>
-                        <m:ctrlPr>
-                          <a:rPr lang="en-US" b="0" i="1" smtClean="0">
-                            <a:solidFill>
-                              <a:schemeClr val="bg1"/>
-                            </a:solidFill>
-                            <a:latin typeface="Cambria Math" panose="02040503050406030204" pitchFamily="18" charset="0"/>
-                          </a:rPr>
-                        </m:ctrlPr>
-                      </m:sSubPr>
-                      <m:e>
-                        <m:r>
-                          <a:rPr lang="en-US" b="0" i="1" smtClean="0">
-                            <a:solidFill>
-                              <a:schemeClr val="bg1"/>
-                            </a:solidFill>
-                            <a:latin typeface="Cambria Math" panose="02040503050406030204" pitchFamily="18" charset="0"/>
-                          </a:rPr>
-                          <m:t>𝛽</m:t>
-                        </m:r>
-                      </m:e>
-                      <m:sub>
-                        <m:r>
-                          <a:rPr lang="en-US" b="0" i="1" smtClean="0">
-                            <a:solidFill>
-                              <a:schemeClr val="bg1"/>
-                            </a:solidFill>
-                            <a:latin typeface="Cambria Math" panose="02040503050406030204" pitchFamily="18" charset="0"/>
-                          </a:rPr>
-                          <m:t>0</m:t>
-                        </m:r>
-                      </m:sub>
-                    </m:sSub>
-                    <m:r>
-                      <a:rPr lang="en-US" b="0" i="1" smtClean="0">
-                        <a:solidFill>
-                          <a:schemeClr val="bg1"/>
-                        </a:solidFill>
-                        <a:latin typeface="Cambria Math" panose="02040503050406030204" pitchFamily="18" charset="0"/>
-                      </a:rPr>
-                      <m:t>+</m:t>
-                    </m:r>
-                    <m:sSub>
-                      <m:sSubPr>
-                        <m:ctrlPr>
-                          <a:rPr lang="en-US" b="0" i="1" smtClean="0">
-                            <a:solidFill>
-                              <a:schemeClr val="bg1"/>
-                            </a:solidFill>
-                            <a:latin typeface="Cambria Math" panose="02040503050406030204" pitchFamily="18" charset="0"/>
-                          </a:rPr>
-                        </m:ctrlPr>
-                      </m:sSubPr>
-                      <m:e>
-                        <m:r>
-                          <a:rPr lang="en-US" b="0" i="1" smtClean="0">
-                            <a:solidFill>
-                              <a:schemeClr val="bg1"/>
-                            </a:solidFill>
-                            <a:latin typeface="Cambria Math" panose="02040503050406030204" pitchFamily="18" charset="0"/>
-                          </a:rPr>
-                          <m:t>𝛽</m:t>
-                        </m:r>
-                      </m:e>
-                      <m:sub>
-                        <m:r>
-                          <a:rPr lang="en-US" b="0" i="1" smtClean="0">
-                            <a:solidFill>
-                              <a:schemeClr val="bg1"/>
-                            </a:solidFill>
-                            <a:latin typeface="Cambria Math" panose="02040503050406030204" pitchFamily="18" charset="0"/>
-                          </a:rPr>
-                          <m:t>1</m:t>
-                        </m:r>
-                      </m:sub>
-                    </m:sSub>
-                    <m:r>
-                      <a:rPr lang="en-US" b="0" i="1" smtClean="0">
-                        <a:solidFill>
-                          <a:schemeClr val="bg1"/>
-                        </a:solidFill>
-                        <a:latin typeface="Cambria Math" panose="02040503050406030204" pitchFamily="18" charset="0"/>
-                      </a:rPr>
-                      <m:t>𝑋</m:t>
-                    </m:r>
-                  </m:oMath>
-                </a14:m>
-                <a:endParaRPr lang="en-US" dirty="0">
-                  <a:solidFill>
-                    <a:schemeClr val="bg1"/>
-                  </a:solidFill>
-                </a:endParaRPr>
-              </a:p>
-              <a:p>
+                <a:r>
+                  <a:rPr lang="en-US" b="1" dirty="0">
+                    <a:solidFill>
+                      <a:schemeClr val="bg1"/>
+                    </a:solidFill>
+                  </a:rPr>
+                  <a:t>odds</a:t>
+                </a:r>
                 <a:r>
                   <a:rPr lang="en-US" dirty="0">
                     <a:solidFill>
                       <a:schemeClr val="bg1"/>
                     </a:solidFill>
                   </a:rPr>
-                  <a:t>Odds of success: </a:t>
+                  <a:t> of success are: </a:t>
                 </a:r>
                 <a14:m>
                   <m:oMath xmlns:m="http://schemas.openxmlformats.org/officeDocument/2006/math">
                     <m:f>
                       <m:fPr>
                         <m:ctrlPr>
-                          <a:rPr lang="en-US" b="0" i="1" smtClean="0">
+                          <a:rPr lang="ar-AE" i="1">
                             <a:solidFill>
                               <a:schemeClr val="bg1"/>
                             </a:solidFill>
@@ -5296,7 +5241,7 @@
                       </m:fPr>
                       <m:num>
                         <m:r>
-                          <a:rPr lang="en-US" b="0" i="1" smtClean="0">
+                          <a:rPr lang="ar-AE" i="1">
                             <a:solidFill>
                               <a:schemeClr val="bg1"/>
                             </a:solidFill>
@@ -5307,7 +5252,7 @@
                       </m:num>
                       <m:den>
                         <m:r>
-                          <a:rPr lang="en-US" b="0" i="1" smtClean="0">
+                          <a:rPr lang="ar-AE">
                             <a:solidFill>
                               <a:schemeClr val="bg1"/>
                             </a:solidFill>
@@ -5316,7 +5261,7 @@
                           <m:t>1−</m:t>
                         </m:r>
                         <m:r>
-                          <a:rPr lang="en-US" b="0" i="1" smtClean="0">
+                          <a:rPr lang="ar-AE" i="1">
                             <a:solidFill>
                               <a:schemeClr val="bg1"/>
                             </a:solidFill>
@@ -5327,7 +5272,7 @@
                       </m:den>
                     </m:f>
                     <m:r>
-                      <a:rPr lang="en-US" b="0" i="1" smtClean="0">
+                      <a:rPr lang="ar-AE">
                         <a:solidFill>
                           <a:schemeClr val="bg1"/>
                         </a:solidFill>
@@ -5338,7 +5283,7 @@
                     <m:sSup>
                       <m:sSupPr>
                         <m:ctrlPr>
-                          <a:rPr lang="en-US" b="0" i="1" smtClean="0">
+                          <a:rPr lang="ar-AE" i="1">
                             <a:solidFill>
                               <a:schemeClr val="bg1"/>
                             </a:solidFill>
@@ -5348,7 +5293,7 @@
                       </m:sSupPr>
                       <m:e>
                         <m:r>
-                          <a:rPr lang="en-US" b="0" i="1" smtClean="0">
+                          <a:rPr lang="ar-AE" i="1">
                             <a:solidFill>
                               <a:schemeClr val="bg1"/>
                             </a:solidFill>
@@ -5359,7 +5304,7 @@
                       </m:e>
                       <m:sup>
                         <m:r>
-                          <a:rPr lang="en-US" b="0" i="1" smtClean="0">
+                          <a:rPr lang="ar-AE" i="1">
                             <a:solidFill>
                               <a:schemeClr val="bg1"/>
                             </a:solidFill>
@@ -5377,134 +5322,9 @@
                       <a:schemeClr val="bg1"/>
                     </a:solidFill>
                   </a:rPr>
-                  <a:t> </a:t>
+                  <a:t>  ()</a:t>
                 </a:r>
-                <a:r>
-                  <a:rPr lang="en-US" dirty="0">
-                    <a:solidFill>
-                      <a:schemeClr val="bg1"/>
-                    </a:solidFill>
-                    <a:sym typeface="Wingdings" pitchFamily="2" charset="2"/>
-                  </a:rPr>
-                  <a:t> </a:t>
-                </a:r>
-                <a14:m>
-                  <m:oMath xmlns:m="http://schemas.openxmlformats.org/officeDocument/2006/math">
-                    <m:func>
-                      <m:funcPr>
-                        <m:ctrlPr>
-                          <a:rPr lang="en-US" b="0" i="1" smtClean="0">
-                            <a:solidFill>
-                              <a:schemeClr val="bg1"/>
-                            </a:solidFill>
-                            <a:latin typeface="Cambria Math" panose="02040503050406030204" pitchFamily="18" charset="0"/>
-                            <a:sym typeface="Wingdings" pitchFamily="2" charset="2"/>
-                          </a:rPr>
-                        </m:ctrlPr>
-                      </m:funcPr>
-                      <m:fName>
-                        <m:r>
-                          <m:rPr>
-                            <m:sty m:val="p"/>
-                          </m:rPr>
-                          <a:rPr lang="en-US" b="0" i="0" smtClean="0">
-                            <a:solidFill>
-                              <a:schemeClr val="bg1"/>
-                            </a:solidFill>
-                            <a:latin typeface="Cambria Math" panose="02040503050406030204" pitchFamily="18" charset="0"/>
-                            <a:sym typeface="Wingdings" pitchFamily="2" charset="2"/>
-                          </a:rPr>
-                          <m:t>log</m:t>
-                        </m:r>
-                      </m:fName>
-                      <m:e>
-                        <m:d>
-                          <m:dPr>
-                            <m:ctrlPr>
-                              <a:rPr lang="en-US" b="0" i="1" smtClean="0">
-                                <a:solidFill>
-                                  <a:schemeClr val="bg1"/>
-                                </a:solidFill>
-                                <a:latin typeface="Cambria Math" panose="02040503050406030204" pitchFamily="18" charset="0"/>
-                                <a:sym typeface="Wingdings" pitchFamily="2" charset="2"/>
-                              </a:rPr>
-                            </m:ctrlPr>
-                          </m:dPr>
-                          <m:e>
-                            <m:f>
-                              <m:fPr>
-                                <m:ctrlPr>
-                                  <a:rPr lang="en-US" b="0" i="1" smtClean="0">
-                                    <a:solidFill>
-                                      <a:schemeClr val="bg1"/>
-                                    </a:solidFill>
-                                    <a:latin typeface="Cambria Math" panose="02040503050406030204" pitchFamily="18" charset="0"/>
-                                    <a:sym typeface="Wingdings" pitchFamily="2" charset="2"/>
-                                  </a:rPr>
-                                </m:ctrlPr>
-                              </m:fPr>
-                              <m:num>
-                                <m:r>
-                                  <a:rPr lang="en-US" b="0" i="1" smtClean="0">
-                                    <a:solidFill>
-                                      <a:schemeClr val="bg1"/>
-                                    </a:solidFill>
-                                    <a:latin typeface="Cambria Math" panose="02040503050406030204" pitchFamily="18" charset="0"/>
-                                    <a:sym typeface="Wingdings" pitchFamily="2" charset="2"/>
-                                  </a:rPr>
-                                  <m:t>𝑝</m:t>
-                                </m:r>
-                              </m:num>
-                              <m:den>
-                                <m:r>
-                                  <a:rPr lang="en-US" b="0" i="1" smtClean="0">
-                                    <a:solidFill>
-                                      <a:schemeClr val="bg1"/>
-                                    </a:solidFill>
-                                    <a:latin typeface="Cambria Math" panose="02040503050406030204" pitchFamily="18" charset="0"/>
-                                    <a:sym typeface="Wingdings" pitchFamily="2" charset="2"/>
-                                  </a:rPr>
-                                  <m:t>1−</m:t>
-                                </m:r>
-                                <m:r>
-                                  <a:rPr lang="en-US" b="0" i="1" smtClean="0">
-                                    <a:solidFill>
-                                      <a:schemeClr val="bg1"/>
-                                    </a:solidFill>
-                                    <a:latin typeface="Cambria Math" panose="02040503050406030204" pitchFamily="18" charset="0"/>
-                                    <a:sym typeface="Wingdings" pitchFamily="2" charset="2"/>
-                                  </a:rPr>
-                                  <m:t>𝑝</m:t>
-                                </m:r>
-                              </m:den>
-                            </m:f>
-                          </m:e>
-                        </m:d>
-                      </m:e>
-                    </m:func>
-                    <m:r>
-                      <a:rPr lang="en-US" b="0" i="1" smtClean="0">
-                        <a:solidFill>
-                          <a:schemeClr val="bg1"/>
-                        </a:solidFill>
-                        <a:latin typeface="Cambria Math" panose="02040503050406030204" pitchFamily="18" charset="0"/>
-                        <a:sym typeface="Wingdings" pitchFamily="2" charset="2"/>
-                      </a:rPr>
-                      <m:t>=</m:t>
-                    </m:r>
-                    <m:r>
-                      <a:rPr lang="en-US" b="0" i="1" smtClean="0">
-                        <a:solidFill>
-                          <a:schemeClr val="bg1"/>
-                        </a:solidFill>
-                        <a:latin typeface="Cambria Math" panose="02040503050406030204" pitchFamily="18" charset="0"/>
-                        <a:sym typeface="Wingdings" pitchFamily="2" charset="2"/>
-                      </a:rPr>
-                      <m:t>𝑧</m:t>
-                    </m:r>
-                  </m:oMath>
-                </a14:m>
-                <a:endParaRPr lang="en-US" dirty="0">
+                <a:endParaRPr lang="ar-AE" dirty="0">
                   <a:solidFill>
                     <a:schemeClr val="bg1"/>
                   </a:solidFill>
@@ -5518,12 +5338,227 @@
                       <a:schemeClr val="bg1"/>
                     </a:solidFill>
                   </a:rPr>
-                  <a:t>(The concept of “odds” comes originally from gambling, where it’s more natural to compare the chance of an event happening vs. not happening)</a:t>
+                  <a:t>Taking the natural log gives the </a:t>
                 </a:r>
-              </a:p>
-              <a:p>
-                <a:pPr lvl="2"/>
-                <a:endParaRPr lang="en-US" dirty="0">
+                <a:r>
+                  <a:rPr lang="en-US" b="1" dirty="0">
+                    <a:solidFill>
+                      <a:schemeClr val="bg1"/>
+                    </a:solidFill>
+                  </a:rPr>
+                  <a:t>log-odds (logit)</a:t>
+                </a:r>
+                <a:r>
+                  <a:rPr lang="en-US" dirty="0">
+                    <a:solidFill>
+                      <a:schemeClr val="bg1"/>
+                    </a:solidFill>
+                  </a:rPr>
+                  <a:t>: </a:t>
+                </a:r>
+                <a14:m>
+                  <m:oMath xmlns:m="http://schemas.openxmlformats.org/officeDocument/2006/math">
+                    <m:func>
+                      <m:funcPr>
+                        <m:ctrlPr>
+                          <a:rPr lang="ar-AE" i="1" smtClean="0">
+                            <a:solidFill>
+                              <a:schemeClr val="bg1"/>
+                            </a:solidFill>
+                            <a:latin typeface="Cambria Math" panose="02040503050406030204" pitchFamily="18" charset="0"/>
+                          </a:rPr>
+                        </m:ctrlPr>
+                      </m:funcPr>
+                      <m:fName>
+                        <m:r>
+                          <m:rPr>
+                            <m:sty m:val="p"/>
+                          </m:rPr>
+                          <a:rPr lang="en-US">
+                            <a:solidFill>
+                              <a:schemeClr val="bg1"/>
+                            </a:solidFill>
+                            <a:latin typeface="Cambria Math" panose="02040503050406030204" pitchFamily="18" charset="0"/>
+                          </a:rPr>
+                          <m:t>log</m:t>
+                        </m:r>
+                      </m:fName>
+                      <m:e>
+                        <m:d>
+                          <m:dPr>
+                            <m:ctrlPr>
+                              <a:rPr lang="ar-AE" i="1">
+                                <a:solidFill>
+                                  <a:schemeClr val="bg1"/>
+                                </a:solidFill>
+                                <a:latin typeface="Cambria Math" panose="02040503050406030204" pitchFamily="18" charset="0"/>
+                              </a:rPr>
+                            </m:ctrlPr>
+                          </m:dPr>
+                          <m:e>
+                            <m:f>
+                              <m:fPr>
+                                <m:ctrlPr>
+                                  <a:rPr lang="ar-AE" i="1">
+                                    <a:solidFill>
+                                      <a:schemeClr val="bg1"/>
+                                    </a:solidFill>
+                                    <a:latin typeface="Cambria Math" panose="02040503050406030204" pitchFamily="18" charset="0"/>
+                                  </a:rPr>
+                                </m:ctrlPr>
+                              </m:fPr>
+                              <m:num>
+                                <m:r>
+                                  <a:rPr lang="ar-AE" i="1">
+                                    <a:solidFill>
+                                      <a:schemeClr val="bg1"/>
+                                    </a:solidFill>
+                                    <a:latin typeface="Cambria Math" panose="02040503050406030204" pitchFamily="18" charset="0"/>
+                                  </a:rPr>
+                                  <m:t>𝑝</m:t>
+                                </m:r>
+                              </m:num>
+                              <m:den>
+                                <m:r>
+                                  <a:rPr lang="ar-AE">
+                                    <a:solidFill>
+                                      <a:schemeClr val="bg1"/>
+                                    </a:solidFill>
+                                    <a:latin typeface="Cambria Math" panose="02040503050406030204" pitchFamily="18" charset="0"/>
+                                  </a:rPr>
+                                  <m:t>1−</m:t>
+                                </m:r>
+                                <m:r>
+                                  <a:rPr lang="ar-AE" i="1">
+                                    <a:solidFill>
+                                      <a:schemeClr val="bg1"/>
+                                    </a:solidFill>
+                                    <a:latin typeface="Cambria Math" panose="02040503050406030204" pitchFamily="18" charset="0"/>
+                                  </a:rPr>
+                                  <m:t>𝑝</m:t>
+                                </m:r>
+                              </m:den>
+                            </m:f>
+                          </m:e>
+                        </m:d>
+                      </m:e>
+                    </m:func>
+                    <m:r>
+                      <a:rPr lang="ar-AE">
+                        <a:solidFill>
+                          <a:schemeClr val="bg1"/>
+                        </a:solidFill>
+                        <a:latin typeface="Cambria Math" panose="02040503050406030204" pitchFamily="18" charset="0"/>
+                      </a:rPr>
+                      <m:t>=</m:t>
+                    </m:r>
+                    <m:r>
+                      <a:rPr lang="ar-AE" i="1">
+                        <a:solidFill>
+                          <a:schemeClr val="bg1"/>
+                        </a:solidFill>
+                        <a:latin typeface="Cambria Math" panose="02040503050406030204" pitchFamily="18" charset="0"/>
+                      </a:rPr>
+                      <m:t>𝑧</m:t>
+                    </m:r>
+                    <m:r>
+                      <a:rPr lang="ar-AE">
+                        <a:solidFill>
+                          <a:schemeClr val="bg1"/>
+                        </a:solidFill>
+                        <a:latin typeface="Cambria Math" panose="02040503050406030204" pitchFamily="18" charset="0"/>
+                      </a:rPr>
+                      <m:t>=</m:t>
+                    </m:r>
+                    <m:sSub>
+                      <m:sSubPr>
+                        <m:ctrlPr>
+                          <a:rPr lang="ar-AE" i="1">
+                            <a:solidFill>
+                              <a:schemeClr val="bg1"/>
+                            </a:solidFill>
+                            <a:latin typeface="Cambria Math" panose="02040503050406030204" pitchFamily="18" charset="0"/>
+                          </a:rPr>
+                        </m:ctrlPr>
+                      </m:sSubPr>
+                      <m:e>
+                        <m:r>
+                          <a:rPr lang="ar-AE" i="1">
+                            <a:solidFill>
+                              <a:schemeClr val="bg1"/>
+                            </a:solidFill>
+                            <a:latin typeface="Cambria Math" panose="02040503050406030204" pitchFamily="18" charset="0"/>
+                          </a:rPr>
+                          <m:t>𝛽</m:t>
+                        </m:r>
+                      </m:e>
+                      <m:sub>
+                        <m:r>
+                          <a:rPr lang="ar-AE">
+                            <a:solidFill>
+                              <a:schemeClr val="bg1"/>
+                            </a:solidFill>
+                            <a:latin typeface="Cambria Math" panose="02040503050406030204" pitchFamily="18" charset="0"/>
+                          </a:rPr>
+                          <m:t>0</m:t>
+                        </m:r>
+                      </m:sub>
+                    </m:sSub>
+                    <m:r>
+                      <a:rPr lang="ar-AE">
+                        <a:solidFill>
+                          <a:schemeClr val="bg1"/>
+                        </a:solidFill>
+                        <a:latin typeface="Cambria Math" panose="02040503050406030204" pitchFamily="18" charset="0"/>
+                      </a:rPr>
+                      <m:t>+</m:t>
+                    </m:r>
+                    <m:sSub>
+                      <m:sSubPr>
+                        <m:ctrlPr>
+                          <a:rPr lang="ar-AE" i="1">
+                            <a:solidFill>
+                              <a:schemeClr val="bg1"/>
+                            </a:solidFill>
+                            <a:latin typeface="Cambria Math" panose="02040503050406030204" pitchFamily="18" charset="0"/>
+                          </a:rPr>
+                        </m:ctrlPr>
+                      </m:sSubPr>
+                      <m:e>
+                        <m:r>
+                          <a:rPr lang="ar-AE" i="1">
+                            <a:solidFill>
+                              <a:schemeClr val="bg1"/>
+                            </a:solidFill>
+                            <a:latin typeface="Cambria Math" panose="02040503050406030204" pitchFamily="18" charset="0"/>
+                          </a:rPr>
+                          <m:t>𝛽</m:t>
+                        </m:r>
+                      </m:e>
+                      <m:sub>
+                        <m:r>
+                          <a:rPr lang="ar-AE">
+                            <a:solidFill>
+                              <a:schemeClr val="bg1"/>
+                            </a:solidFill>
+                            <a:latin typeface="Cambria Math" panose="02040503050406030204" pitchFamily="18" charset="0"/>
+                          </a:rPr>
+                          <m:t>1</m:t>
+                        </m:r>
+                      </m:sub>
+                    </m:sSub>
+                    <m:r>
+                      <a:rPr lang="ar-AE" i="1">
+                        <a:solidFill>
+                          <a:schemeClr val="bg1"/>
+                        </a:solidFill>
+                        <a:latin typeface="Cambria Math" panose="02040503050406030204" pitchFamily="18" charset="0"/>
+                      </a:rPr>
+                      <m:t>𝑋</m:t>
+                    </m:r>
+                  </m:oMath>
+                </a14:m>
+                <a:endParaRPr lang="ar-AE" dirty="0">
                   <a:solidFill>
                     <a:schemeClr val="bg1"/>
                   </a:solidFill>
@@ -5531,18 +5566,67 @@
               </a:p>
               <a:p>
                 <a:pPr lvl="1"/>
+                <a:r>
+                  <a:rPr lang="en-US" dirty="0">
+                    <a:solidFill>
+                      <a:schemeClr val="bg1"/>
+                    </a:solidFill>
+                  </a:rPr>
+                  <a:t>So, the logistic regression models the </a:t>
+                </a:r>
+                <a:r>
+                  <a:rPr lang="en-US" b="1" dirty="0">
+                    <a:solidFill>
+                      <a:schemeClr val="bg1"/>
+                    </a:solidFill>
+                  </a:rPr>
+                  <a:t>log-odds</a:t>
+                </a:r>
+                <a:r>
+                  <a:rPr lang="en-US" dirty="0">
+                    <a:solidFill>
+                      <a:schemeClr val="bg1"/>
+                    </a:solidFill>
+                  </a:rPr>
+                  <a:t> </a:t>
+                </a:r>
+                <a:r>
+                  <a:rPr lang="en-US" dirty="0">
+                    <a:solidFill>
+                      <a:schemeClr val="bg1"/>
+                    </a:solidFill>
+                    <a:hlinkClick r:id="" action="ppaction://hlinkshowjump?jump=nextslide">
+                      <a:extLst>
+                        <a:ext uri="{A12FA001-AC4F-418D-AE19-62706E023703}">
+                          <ahyp:hlinkClr xmlns:ahyp="http://schemas.microsoft.com/office/drawing/2018/hyperlinkcolor" val="tx"/>
+                        </a:ext>
+                      </a:extLst>
+                    </a:hlinkClick>
+                  </a:rPr>
+                  <a:t>of su</a:t>
+                </a:r>
+                <a:r>
+                  <a:rPr lang="en-US" dirty="0">
+                    <a:solidFill>
+                      <a:schemeClr val="bg1"/>
+                    </a:solidFill>
+                  </a:rPr>
+                  <a:t>ccess as a linear function of the predictors.</a:t>
+                </a:r>
+              </a:p>
+              <a:p>
                 <a:endParaRPr lang="en-US" dirty="0"/>
               </a:p>
             </p:txBody>
           </p:sp>
         </mc:Choice>
-        <mc:Fallback xmlns="">
+        <mc:Fallback>
           <p:sp>
             <p:nvSpPr>
               <p:cNvPr id="3" name="Content Placeholder 2">
                 <a:extLst>
                   <a:ext uri="{FF2B5EF4-FFF2-40B4-BE49-F238E27FC236}">
-                    <a16:creationId xmlns:a16="http://schemas.microsoft.com/office/drawing/2014/main" id="{9BC4C9C1-D799-E6EB-2652-94D8A2E263F2}"/>
+                    <a16:creationId xmlns:a16="http://schemas.microsoft.com/office/drawing/2014/main" id="{377EC1FC-8039-F3ED-827C-5FBC7D876B88}"/>
                   </a:ext>
                 </a:extLst>
               </p:cNvPr>
@@ -5554,10 +5638,14 @@
               </p:nvPr>
             </p:nvSpPr>
             <p:spPr>
+              <a:xfrm>
+                <a:off x="838200" y="1825624"/>
+                <a:ext cx="10515600" cy="4809351"/>
+              </a:xfrm>
               <a:blipFill>
                 <a:blip r:embed="rId2"/>
                 <a:stretch>
-                  <a:fillRect l="-1086" t="-2326"/>
+                  <a:fillRect l="-1206" t="-2895" r="-844"/>
                 </a:stretch>
               </a:blipFill>
             </p:spPr>
@@ -5578,10 +5666,10 @@
       </mc:AlternateContent>
       <p:pic>
         <p:nvPicPr>
-          <p:cNvPr id="1026" name="Picture 2" descr="Logistic Regression: Understanding odds ...">
-            <a:extLst>
-              <a:ext uri="{FF2B5EF4-FFF2-40B4-BE49-F238E27FC236}">
-                <a16:creationId xmlns:a16="http://schemas.microsoft.com/office/drawing/2014/main" id="{38816591-D0F0-DDF5-40BB-44A6EE5ED05E}"/>
+          <p:cNvPr id="4" name="Picture 2" descr="Logistic Regression: Understanding odds ...">
+            <a:extLst>
+              <a:ext uri="{FF2B5EF4-FFF2-40B4-BE49-F238E27FC236}">
+                <a16:creationId xmlns:a16="http://schemas.microsoft.com/office/drawing/2014/main" id="{BC4C3C0A-B132-4D4A-D871-1D71486CFA0A}"/>
               </a:ext>
             </a:extLst>
           </p:cNvPr>
@@ -5605,7 +5693,7 @@
         </p:blipFill>
         <p:spPr bwMode="auto">
           <a:xfrm>
-            <a:off x="9448409" y="1334974"/>
+            <a:off x="9409549" y="2378794"/>
             <a:ext cx="2587474" cy="1642404"/>
           </a:xfrm>
           <a:prstGeom prst="rect">
@@ -5626,7 +5714,7 @@
     </p:spTree>
     <p:extLst>
       <p:ext uri="{BB962C8B-B14F-4D97-AF65-F5344CB8AC3E}">
-        <p14:creationId xmlns:p14="http://schemas.microsoft.com/office/powerpoint/2010/main" val="3352852413"/>
+        <p14:creationId xmlns:p14="http://schemas.microsoft.com/office/powerpoint/2010/main" val="2910354405"/>
       </p:ext>
     </p:extLst>
   </p:cSld>
@@ -5644,7 +5732,7 @@
         <p:cNvPr id="1" name="">
           <a:extLst>
             <a:ext uri="{FF2B5EF4-FFF2-40B4-BE49-F238E27FC236}">
-              <a16:creationId xmlns:a16="http://schemas.microsoft.com/office/drawing/2014/main" id="{B993F3A0-77E0-1452-B817-1B0C2220EF15}"/>
+              <a16:creationId xmlns:a16="http://schemas.microsoft.com/office/drawing/2014/main" id="{69FF4DB6-2DE3-D73B-0EEA-FDA8B2B7CFDA}"/>
             </a:ext>
           </a:extLst>
         </p:cNvPr>
@@ -5664,7 +5752,7 @@
           <p:cNvPr id="2" name="Title 1">
             <a:extLst>
               <a:ext uri="{FF2B5EF4-FFF2-40B4-BE49-F238E27FC236}">
-                <a16:creationId xmlns:a16="http://schemas.microsoft.com/office/drawing/2014/main" id="{AF6336BB-32CA-C60E-C99E-725230E10E3D}"/>
+                <a16:creationId xmlns:a16="http://schemas.microsoft.com/office/drawing/2014/main" id="{665BD19D-599A-3DC2-6B07-7B3CB467AD77}"/>
               </a:ext>
             </a:extLst>
           </p:cNvPr>
@@ -5687,14 +5775,14 @@
           </a:p>
         </p:txBody>
       </p:sp>
-      <mc:AlternateContent xmlns:mc="http://schemas.openxmlformats.org/markup-compatibility/2006" xmlns:a14="http://schemas.microsoft.com/office/drawing/2010/main">
-        <mc:Choice Requires="a14">
+      <mc:AlternateContent xmlns:mc="http://schemas.openxmlformats.org/markup-compatibility/2006">
+        <mc:Choice xmlns:a14="http://schemas.microsoft.com/office/drawing/2010/main" Requires="a14">
           <p:sp>
             <p:nvSpPr>
               <p:cNvPr id="3" name="Content Placeholder 2">
                 <a:extLst>
                   <a:ext uri="{FF2B5EF4-FFF2-40B4-BE49-F238E27FC236}">
-                    <a16:creationId xmlns:a16="http://schemas.microsoft.com/office/drawing/2014/main" id="{8BCCF4F2-412E-C840-D722-641F058B6302}"/>
+                    <a16:creationId xmlns:a16="http://schemas.microsoft.com/office/drawing/2014/main" id="{055DAD6C-EC72-600D-912B-8911B191ECDB}"/>
                   </a:ext>
                 </a:extLst>
               </p:cNvPr>
@@ -5705,335 +5793,281 @@
                 <p:ph idx="1"/>
               </p:nvPr>
             </p:nvSpPr>
-            <p:spPr/>
+            <p:spPr>
+              <a:xfrm>
+                <a:off x="838200" y="1825624"/>
+                <a:ext cx="10515600" cy="4809351"/>
+              </a:xfrm>
+            </p:spPr>
             <p:txBody>
               <a:bodyPr>
                 <a:normAutofit lnSpcReduction="10000"/>
               </a:bodyPr>
               <a:lstStyle/>
               <a:p>
+                <a:pPr marL="0" indent="0">
+                  <a:buNone/>
+                </a:pPr>
+                <a:r>
+                  <a:rPr lang="en-US" b="1" dirty="0"/>
+                  <a:t>Solution: </a:t>
+                </a:r>
                 <a:r>
                   <a:rPr lang="en-US" dirty="0"/>
-                  <a:t>We need a different functional form</a:t>
+                  <a:t>use the </a:t>
+                </a:r>
+                <a:r>
+                  <a:rPr lang="en-US" b="1" dirty="0"/>
+                  <a:t>logistic (sigmoid) function</a:t>
+                </a:r>
+                <a:r>
+                  <a:rPr lang="en-US" dirty="0"/>
+                  <a:t>, which maps any real number into [0,1]</a:t>
+                </a:r>
+                <a14:m>
+                  <m:oMath xmlns:m="http://schemas.openxmlformats.org/officeDocument/2006/math">
+                    <m:r>
+                      <a:rPr lang="en-US" b="0" i="0" smtClean="0">
+                        <a:latin typeface="Cambria Math" panose="02040503050406030204" pitchFamily="18" charset="0"/>
+                      </a:rPr>
+                      <m:t>:</m:t>
+                    </m:r>
+                  </m:oMath>
+                </a14:m>
+                <a:endParaRPr lang="ar-AE" dirty="0"/>
+              </a:p>
+              <a:p>
+                <a:pPr marL="0" indent="0">
+                  <a:buNone/>
+                </a:pPr>
+                <a14:m>
+                  <m:oMathPara xmlns:m="http://schemas.openxmlformats.org/officeDocument/2006/math">
+                    <m:oMathParaPr>
+                      <m:jc m:val="centerGroup"/>
+                    </m:oMathParaPr>
+                    <m:oMath xmlns:m="http://schemas.openxmlformats.org/officeDocument/2006/math">
+                      <m:r>
+                        <a:rPr lang="ar-AE" i="1"/>
+                        <m:t>𝑝</m:t>
+                      </m:r>
+                      <m:r>
+                        <a:rPr lang="ar-AE"/>
+                        <m:t>=</m:t>
+                      </m:r>
+                      <m:r>
+                        <a:rPr lang="ar-AE" i="1"/>
+                        <m:t>𝑃</m:t>
+                      </m:r>
+                      <m:d>
+                        <m:dPr>
+                          <m:ctrlPr>
+                            <a:rPr lang="ar-AE" i="1"/>
+                          </m:ctrlPr>
+                        </m:dPr>
+                        <m:e>
+                          <m:r>
+                            <a:rPr lang="ar-AE" i="1"/>
+                            <m:t>𝑌</m:t>
+                          </m:r>
+                          <m:r>
+                            <a:rPr lang="ar-AE"/>
+                            <m:t>=1∣</m:t>
+                          </m:r>
+                          <m:r>
+                            <a:rPr lang="ar-AE" i="1"/>
+                            <m:t>𝑋</m:t>
+                          </m:r>
+                        </m:e>
+                      </m:d>
+                      <m:r>
+                        <a:rPr lang="ar-AE"/>
+                        <m:t>=</m:t>
+                      </m:r>
+                      <m:f>
+                        <m:fPr>
+                          <m:ctrlPr>
+                            <a:rPr lang="ar-AE" i="1"/>
+                          </m:ctrlPr>
+                        </m:fPr>
+                        <m:num>
+                          <m:r>
+                            <a:rPr lang="ar-AE"/>
+                            <m:t>1</m:t>
+                          </m:r>
+                        </m:num>
+                        <m:den>
+                          <m:r>
+                            <a:rPr lang="ar-AE"/>
+                            <m:t>1+</m:t>
+                          </m:r>
+                          <m:sSup>
+                            <m:sSupPr>
+                              <m:ctrlPr>
+                                <a:rPr lang="ar-AE" i="1"/>
+                              </m:ctrlPr>
+                            </m:sSupPr>
+                            <m:e>
+                              <m:r>
+                                <a:rPr lang="ar-AE" i="1"/>
+                                <m:t>𝑒</m:t>
+                              </m:r>
+                            </m:e>
+                            <m:sup>
+                              <m:r>
+                                <a:rPr lang="ar-AE"/>
+                                <m:t>−</m:t>
+                              </m:r>
+                              <m:r>
+                                <a:rPr lang="ar-AE" i="1"/>
+                                <m:t>𝑧</m:t>
+                              </m:r>
+                            </m:sup>
+                          </m:sSup>
+                        </m:den>
+                      </m:f>
+                    </m:oMath>
+                  </m:oMathPara>
+                </a14:m>
+                <a:endParaRPr lang="ar-AE" dirty="0"/>
+              </a:p>
+              <a:p>
+                <a:pPr marL="0" indent="0">
+                  <a:buNone/>
+                </a:pPr>
+                <a:r>
+                  <a:rPr lang="en-US" dirty="0"/>
+                  <a:t>Where: </a:t>
+                </a:r>
+                <a14:m>
+                  <m:oMath xmlns:m="http://schemas.openxmlformats.org/officeDocument/2006/math">
+                    <m:r>
+                      <a:rPr lang="en-US" i="1"/>
+                      <m:t>𝑧</m:t>
+                    </m:r>
+                    <m:r>
+                      <a:rPr lang="en-US"/>
+                      <m:t>=</m:t>
+                    </m:r>
+                    <m:sSub>
+                      <m:sSubPr>
+                        <m:ctrlPr>
+                          <a:rPr lang="ar-AE" i="1"/>
+                        </m:ctrlPr>
+                      </m:sSubPr>
+                      <m:e>
+                        <m:r>
+                          <a:rPr lang="ar-AE" i="1"/>
+                          <m:t>𝛽</m:t>
+                        </m:r>
+                      </m:e>
+                      <m:sub>
+                        <m:r>
+                          <a:rPr lang="ar-AE"/>
+                          <m:t>0</m:t>
+                        </m:r>
+                      </m:sub>
+                    </m:sSub>
+                    <m:r>
+                      <a:rPr lang="ar-AE"/>
+                      <m:t>+</m:t>
+                    </m:r>
+                    <m:sSub>
+                      <m:sSubPr>
+                        <m:ctrlPr>
+                          <a:rPr lang="ar-AE" i="1"/>
+                        </m:ctrlPr>
+                      </m:sSubPr>
+                      <m:e>
+                        <m:r>
+                          <a:rPr lang="ar-AE" i="1"/>
+                          <m:t>𝛽</m:t>
+                        </m:r>
+                      </m:e>
+                      <m:sub>
+                        <m:r>
+                          <a:rPr lang="ar-AE"/>
+                          <m:t>1</m:t>
+                        </m:r>
+                      </m:sub>
+                    </m:sSub>
+                    <m:r>
+                      <a:rPr lang="ar-AE" i="1"/>
+                      <m:t>𝑋</m:t>
+                    </m:r>
+                  </m:oMath>
+                </a14:m>
+                <a:br>
+                  <a:rPr lang="ar-AE" dirty="0"/>
+                </a:br>
+                <a:endParaRPr lang="ar-AE" dirty="0"/>
+              </a:p>
+              <a:p>
+                <a:pPr marL="0" indent="0">
+                  <a:buNone/>
+                </a:pPr>
+                <a:r>
+                  <a:rPr lang="en-US" b="1" dirty="0"/>
+                  <a:t>Odds and Log-Odds:</a:t>
                 </a:r>
               </a:p>
               <a:p>
                 <a:pPr lvl="1"/>
                 <a:r>
+                  <a:rPr lang="en-US" dirty="0"/>
+                  <a:t>The </a:t>
+                </a:r>
+                <a:r>
                   <a:rPr lang="en-US" b="1" dirty="0"/>
-                  <a:t>Logistic</a:t>
+                  <a:t>odds</a:t>
                 </a:r>
                 <a:r>
                   <a:rPr lang="en-US" dirty="0"/>
-                  <a:t> (sigmoid) </a:t>
-                </a:r>
-                <a:r>
-                  <a:rPr lang="en-US" b="1" dirty="0"/>
-                  <a:t>function</a:t>
-                </a:r>
-                <a:r>
-                  <a:rPr lang="en-US" dirty="0"/>
-                  <a:t>: </a:t>
-                </a:r>
-              </a:p>
-              <a:p>
-                <a:pPr lvl="2"/>
-                <a:r>
-                  <a:rPr lang="en-US" b="0" dirty="0"/>
-                  <a:t>Probability of success </a:t>
-                </a:r>
-                <a:r>
-                  <a:rPr lang="en-US" b="0" dirty="0">
-                    <a:sym typeface="Wingdings" pitchFamily="2" charset="2"/>
-                  </a:rPr>
-                  <a:t> </a:t>
-                </a:r>
-                <a14:m>
-                  <m:oMath xmlns:m="http://schemas.openxmlformats.org/officeDocument/2006/math">
-                    <m:r>
-                      <m:rPr>
-                        <m:sty m:val="p"/>
-                      </m:rPr>
-                      <a:rPr lang="en-US" b="0" i="0" smtClean="0">
-                        <a:latin typeface="Cambria Math" panose="02040503050406030204" pitchFamily="18" charset="0"/>
-                      </a:rPr>
-                      <m:t>p</m:t>
-                    </m:r>
-                    <m:r>
-                      <a:rPr lang="en-US" b="0" i="0" smtClean="0">
-                        <a:latin typeface="Cambria Math" panose="02040503050406030204" pitchFamily="18" charset="0"/>
-                      </a:rPr>
-                      <m:t>= </m:t>
-                    </m:r>
-                    <m:r>
-                      <a:rPr lang="en-US" b="0" i="1" smtClean="0">
-                        <a:latin typeface="Cambria Math" panose="02040503050406030204" pitchFamily="18" charset="0"/>
-                      </a:rPr>
-                      <m:t>𝑃</m:t>
-                    </m:r>
-                    <m:d>
-                      <m:dPr>
-                        <m:ctrlPr>
-                          <a:rPr lang="en-US" b="0" i="1" smtClean="0">
-                            <a:latin typeface="Cambria Math" panose="02040503050406030204" pitchFamily="18" charset="0"/>
-                          </a:rPr>
-                        </m:ctrlPr>
-                      </m:dPr>
-                      <m:e>
-                        <m:r>
-                          <a:rPr lang="en-US" b="0" i="1" smtClean="0">
-                            <a:latin typeface="Cambria Math" panose="02040503050406030204" pitchFamily="18" charset="0"/>
-                          </a:rPr>
-                          <m:t>𝑌</m:t>
-                        </m:r>
-                        <m:r>
-                          <a:rPr lang="en-US" b="0" i="1" smtClean="0">
-                            <a:latin typeface="Cambria Math" panose="02040503050406030204" pitchFamily="18" charset="0"/>
-                          </a:rPr>
-                          <m:t>=1</m:t>
-                        </m:r>
-                      </m:e>
-                      <m:e>
-                        <m:r>
-                          <a:rPr lang="en-US" b="0" i="1" smtClean="0">
-                            <a:latin typeface="Cambria Math" panose="02040503050406030204" pitchFamily="18" charset="0"/>
-                          </a:rPr>
-                          <m:t>𝑋</m:t>
-                        </m:r>
-                      </m:e>
-                    </m:d>
-                    <m:r>
-                      <a:rPr lang="en-US" b="0" i="1" smtClean="0">
-                        <a:latin typeface="Cambria Math" panose="02040503050406030204" pitchFamily="18" charset="0"/>
-                      </a:rPr>
-                      <m:t>=</m:t>
-                    </m:r>
-                    <m:f>
-                      <m:fPr>
-                        <m:ctrlPr>
-                          <a:rPr lang="en-US" b="0" i="1" smtClean="0">
-                            <a:latin typeface="Cambria Math" panose="02040503050406030204" pitchFamily="18" charset="0"/>
-                          </a:rPr>
-                        </m:ctrlPr>
-                      </m:fPr>
-                      <m:num>
-                        <m:r>
-                          <a:rPr lang="en-US" b="0" i="1" smtClean="0">
-                            <a:latin typeface="Cambria Math" panose="02040503050406030204" pitchFamily="18" charset="0"/>
-                          </a:rPr>
-                          <m:t>1</m:t>
-                        </m:r>
-                      </m:num>
-                      <m:den>
-                        <m:r>
-                          <a:rPr lang="en-US" b="0" i="1" smtClean="0">
-                            <a:latin typeface="Cambria Math" panose="02040503050406030204" pitchFamily="18" charset="0"/>
-                          </a:rPr>
-                          <m:t>1+</m:t>
-                        </m:r>
-                        <m:sSup>
-                          <m:sSupPr>
-                            <m:ctrlPr>
-                              <a:rPr lang="en-US" b="0" i="1" smtClean="0">
-                                <a:latin typeface="Cambria Math" panose="02040503050406030204" pitchFamily="18" charset="0"/>
-                              </a:rPr>
-                            </m:ctrlPr>
-                          </m:sSupPr>
-                          <m:e>
-                            <m:r>
-                              <a:rPr lang="en-US" b="0" i="1" smtClean="0">
-                                <a:latin typeface="Cambria Math" panose="02040503050406030204" pitchFamily="18" charset="0"/>
-                              </a:rPr>
-                              <m:t>𝑒</m:t>
-                            </m:r>
-                          </m:e>
-                          <m:sup>
-                            <m:r>
-                              <a:rPr lang="en-US" b="0" i="1" smtClean="0">
-                                <a:latin typeface="Cambria Math" panose="02040503050406030204" pitchFamily="18" charset="0"/>
-                              </a:rPr>
-                              <m:t>𝑧</m:t>
-                            </m:r>
-                          </m:sup>
-                        </m:sSup>
-                      </m:den>
-                    </m:f>
-                  </m:oMath>
-                </a14:m>
-                <a:r>
-                  <a:rPr lang="en-US" dirty="0"/>
-                  <a:t>	</a:t>
-                </a:r>
-              </a:p>
-              <a:p>
-                <a:pPr lvl="2"/>
-                <a:r>
-                  <a:rPr lang="en-US" dirty="0"/>
-                  <a:t>Smoothly “squashes” any real number </a:t>
-                </a:r>
-                <a:r>
-                  <a:rPr lang="en-US" i="1" dirty="0"/>
-                  <a:t>z</a:t>
-                </a:r>
-                <a:r>
-                  <a:rPr lang="en-US" dirty="0"/>
-                  <a:t> into a number between 0 and 1</a:t>
-                </a:r>
-              </a:p>
-              <a:p>
-                <a:pPr lvl="2"/>
-                <a:endParaRPr lang="en-US" dirty="0"/>
-              </a:p>
-              <a:p>
-                <a:r>
-                  <a:rPr lang="en-US" dirty="0"/>
-                  <a:t>So, given our linear predictor: </a:t>
-                </a:r>
-                <a14:m>
-                  <m:oMath xmlns:m="http://schemas.openxmlformats.org/officeDocument/2006/math">
-                    <m:r>
-                      <a:rPr lang="en-US" b="0" i="1" smtClean="0">
-                        <a:latin typeface="Cambria Math" panose="02040503050406030204" pitchFamily="18" charset="0"/>
-                      </a:rPr>
-                      <m:t>𝑧</m:t>
-                    </m:r>
-                    <m:r>
-                      <a:rPr lang="en-US" b="0" i="1" smtClean="0">
-                        <a:latin typeface="Cambria Math" panose="02040503050406030204" pitchFamily="18" charset="0"/>
-                      </a:rPr>
-                      <m:t>=</m:t>
-                    </m:r>
-                    <m:sSub>
-                      <m:sSubPr>
-                        <m:ctrlPr>
-                          <a:rPr lang="en-US" b="0" i="1" smtClean="0">
-                            <a:latin typeface="Cambria Math" panose="02040503050406030204" pitchFamily="18" charset="0"/>
-                          </a:rPr>
-                        </m:ctrlPr>
-                      </m:sSubPr>
-                      <m:e>
-                        <m:r>
-                          <a:rPr lang="en-US" b="0" i="1" smtClean="0">
-                            <a:latin typeface="Cambria Math" panose="02040503050406030204" pitchFamily="18" charset="0"/>
-                          </a:rPr>
-                          <m:t>𝛽</m:t>
-                        </m:r>
-                      </m:e>
-                      <m:sub>
-                        <m:r>
-                          <a:rPr lang="en-US" b="0" i="1" smtClean="0">
-                            <a:latin typeface="Cambria Math" panose="02040503050406030204" pitchFamily="18" charset="0"/>
-                          </a:rPr>
-                          <m:t>0</m:t>
-                        </m:r>
-                      </m:sub>
-                    </m:sSub>
-                    <m:r>
-                      <a:rPr lang="en-US" b="0" i="1" smtClean="0">
-                        <a:latin typeface="Cambria Math" panose="02040503050406030204" pitchFamily="18" charset="0"/>
-                      </a:rPr>
-                      <m:t>+</m:t>
-                    </m:r>
-                    <m:sSub>
-                      <m:sSubPr>
-                        <m:ctrlPr>
-                          <a:rPr lang="en-US" b="0" i="1" smtClean="0">
-                            <a:latin typeface="Cambria Math" panose="02040503050406030204" pitchFamily="18" charset="0"/>
-                          </a:rPr>
-                        </m:ctrlPr>
-                      </m:sSubPr>
-                      <m:e>
-                        <m:r>
-                          <a:rPr lang="en-US" b="0" i="1" smtClean="0">
-                            <a:latin typeface="Cambria Math" panose="02040503050406030204" pitchFamily="18" charset="0"/>
-                          </a:rPr>
-                          <m:t>𝛽</m:t>
-                        </m:r>
-                      </m:e>
-                      <m:sub>
-                        <m:r>
-                          <a:rPr lang="en-US" b="0" i="1" smtClean="0">
-                            <a:latin typeface="Cambria Math" panose="02040503050406030204" pitchFamily="18" charset="0"/>
-                          </a:rPr>
-                          <m:t>1</m:t>
-                        </m:r>
-                      </m:sub>
-                    </m:sSub>
-                    <m:r>
-                      <a:rPr lang="en-US" b="0" i="1" smtClean="0">
-                        <a:latin typeface="Cambria Math" panose="02040503050406030204" pitchFamily="18" charset="0"/>
-                      </a:rPr>
-                      <m:t>𝑋</m:t>
-                    </m:r>
-                  </m:oMath>
-                </a14:m>
-                <a:endParaRPr lang="en-US" dirty="0"/>
-              </a:p>
-              <a:p>
-                <a:r>
-                  <a:rPr lang="en-US" dirty="0"/>
-                  <a:t>Odds of success: </a:t>
+                  <a:t> of success are: </a:t>
                 </a:r>
                 <a14:m>
                   <m:oMath xmlns:m="http://schemas.openxmlformats.org/officeDocument/2006/math">
                     <m:f>
                       <m:fPr>
                         <m:ctrlPr>
-                          <a:rPr lang="en-US" b="0" i="1" smtClean="0">
-                            <a:latin typeface="Cambria Math" panose="02040503050406030204" pitchFamily="18" charset="0"/>
-                          </a:rPr>
+                          <a:rPr lang="ar-AE"/>
                         </m:ctrlPr>
                       </m:fPr>
                       <m:num>
                         <m:r>
-                          <a:rPr lang="en-US" b="0" i="1" smtClean="0">
-                            <a:latin typeface="Cambria Math" panose="02040503050406030204" pitchFamily="18" charset="0"/>
-                          </a:rPr>
+                          <a:rPr lang="ar-AE" i="1"/>
                           <m:t>𝑝</m:t>
                         </m:r>
                       </m:num>
                       <m:den>
                         <m:r>
-                          <a:rPr lang="en-US" b="0" i="1" smtClean="0">
-                            <a:latin typeface="Cambria Math" panose="02040503050406030204" pitchFamily="18" charset="0"/>
-                          </a:rPr>
+                          <a:rPr lang="ar-AE"/>
                           <m:t>1−</m:t>
                         </m:r>
                         <m:r>
-                          <a:rPr lang="en-US" b="0" i="1" smtClean="0">
-                            <a:latin typeface="Cambria Math" panose="02040503050406030204" pitchFamily="18" charset="0"/>
-                          </a:rPr>
+                          <a:rPr lang="ar-AE" i="1"/>
                           <m:t>𝑝</m:t>
                         </m:r>
                       </m:den>
                     </m:f>
                     <m:r>
-                      <a:rPr lang="en-US" b="0" i="1" smtClean="0">
-                        <a:latin typeface="Cambria Math" panose="02040503050406030204" pitchFamily="18" charset="0"/>
-                      </a:rPr>
+                      <a:rPr lang="ar-AE"/>
                       <m:t>=</m:t>
                     </m:r>
                     <m:sSup>
                       <m:sSupPr>
                         <m:ctrlPr>
-                          <a:rPr lang="en-US" b="0" i="1" smtClean="0">
-                            <a:latin typeface="Cambria Math" panose="02040503050406030204" pitchFamily="18" charset="0"/>
-                          </a:rPr>
+                          <a:rPr lang="ar-AE" i="1"/>
                         </m:ctrlPr>
                       </m:sSupPr>
                       <m:e>
                         <m:r>
-                          <a:rPr lang="en-US" b="0" i="1" smtClean="0">
-                            <a:latin typeface="Cambria Math" panose="02040503050406030204" pitchFamily="18" charset="0"/>
-                          </a:rPr>
+                          <a:rPr lang="ar-AE" i="1"/>
                           <m:t>𝑒</m:t>
                         </m:r>
                       </m:e>
                       <m:sup>
                         <m:r>
-                          <a:rPr lang="en-US" b="0" i="1" smtClean="0">
-                            <a:latin typeface="Cambria Math" panose="02040503050406030204" pitchFamily="18" charset="0"/>
-                          </a:rPr>
+                          <a:rPr lang="ar-AE" i="1"/>
                           <m:t>𝑧</m:t>
                         </m:r>
                       </m:sup>
@@ -6044,21 +6078,28 @@
                   <a:rPr lang="en-US" dirty="0"/>
                   <a:t> </a:t>
                 </a:r>
+                <a:endParaRPr lang="ar-AE" dirty="0"/>
+              </a:p>
+              <a:p>
+                <a:pPr lvl="1"/>
                 <a:r>
-                  <a:rPr lang="en-US" dirty="0">
-                    <a:sym typeface="Wingdings" pitchFamily="2" charset="2"/>
-                  </a:rPr>
-                  <a:t> </a:t>
+                  <a:rPr lang="en-US" dirty="0"/>
+                  <a:t>Taking the natural log gives the </a:t>
+                </a:r>
+                <a:r>
+                  <a:rPr lang="en-US" b="1" dirty="0"/>
+                  <a:t>log-odds (logit)</a:t>
+                </a:r>
+                <a:r>
+                  <a:rPr lang="en-US" dirty="0"/>
+                  <a:t>: </a:t>
                 </a:r>
                 <a14:m>
                   <m:oMath xmlns:m="http://schemas.openxmlformats.org/officeDocument/2006/math">
                     <m:func>
                       <m:funcPr>
                         <m:ctrlPr>
-                          <a:rPr lang="en-US" b="0" i="1" smtClean="0">
-                            <a:latin typeface="Cambria Math" panose="02040503050406030204" pitchFamily="18" charset="0"/>
-                            <a:sym typeface="Wingdings" pitchFamily="2" charset="2"/>
-                          </a:rPr>
+                          <a:rPr lang="ar-AE" smtClean="0"/>
                         </m:ctrlPr>
                       </m:funcPr>
                       <m:fName>
@@ -6066,10 +6107,7 @@
                           <m:rPr>
                             <m:sty m:val="p"/>
                           </m:rPr>
-                          <a:rPr lang="en-US" b="0" i="0" smtClean="0">
-                            <a:latin typeface="Cambria Math" panose="02040503050406030204" pitchFamily="18" charset="0"/>
-                            <a:sym typeface="Wingdings" pitchFamily="2" charset="2"/>
-                          </a:rPr>
+                          <a:rPr lang="en-US"/>
                           <m:t>log</m:t>
                         </m:r>
                       </m:fName>
@@ -6077,44 +6115,29 @@
                         <m:d>
                           <m:dPr>
                             <m:ctrlPr>
-                              <a:rPr lang="en-US" b="0" i="1" smtClean="0">
-                                <a:latin typeface="Cambria Math" panose="02040503050406030204" pitchFamily="18" charset="0"/>
-                                <a:sym typeface="Wingdings" pitchFamily="2" charset="2"/>
-                              </a:rPr>
+                              <a:rPr lang="ar-AE" i="1"/>
                             </m:ctrlPr>
                           </m:dPr>
                           <m:e>
                             <m:f>
                               <m:fPr>
                                 <m:ctrlPr>
-                                  <a:rPr lang="en-US" b="0" i="1" smtClean="0">
-                                    <a:latin typeface="Cambria Math" panose="02040503050406030204" pitchFamily="18" charset="0"/>
-                                    <a:sym typeface="Wingdings" pitchFamily="2" charset="2"/>
-                                  </a:rPr>
+                                  <a:rPr lang="ar-AE" i="1"/>
                                 </m:ctrlPr>
                               </m:fPr>
                               <m:num>
                                 <m:r>
-                                  <a:rPr lang="en-US" b="0" i="1" smtClean="0">
-                                    <a:latin typeface="Cambria Math" panose="02040503050406030204" pitchFamily="18" charset="0"/>
-                                    <a:sym typeface="Wingdings" pitchFamily="2" charset="2"/>
-                                  </a:rPr>
+                                  <a:rPr lang="ar-AE" i="1"/>
                                   <m:t>𝑝</m:t>
                                 </m:r>
                               </m:num>
                               <m:den>
                                 <m:r>
-                                  <a:rPr lang="en-US" b="0" i="1" smtClean="0">
-                                    <a:latin typeface="Cambria Math" panose="02040503050406030204" pitchFamily="18" charset="0"/>
-                                    <a:sym typeface="Wingdings" pitchFamily="2" charset="2"/>
-                                  </a:rPr>
+                                  <a:rPr lang="ar-AE"/>
                                   <m:t>1−</m:t>
                                 </m:r>
                                 <m:r>
-                                  <a:rPr lang="en-US" b="0" i="1" smtClean="0">
-                                    <a:latin typeface="Cambria Math" panose="02040503050406030204" pitchFamily="18" charset="0"/>
-                                    <a:sym typeface="Wingdings" pitchFamily="2" charset="2"/>
-                                  </a:rPr>
+                                  <a:rPr lang="ar-AE" i="1"/>
                                   <m:t>𝑝</m:t>
                                 </m:r>
                               </m:den>
@@ -6124,68 +6147,95 @@
                       </m:e>
                     </m:func>
                     <m:r>
-                      <a:rPr lang="en-US" b="0" i="1" smtClean="0">
-                        <a:latin typeface="Cambria Math" panose="02040503050406030204" pitchFamily="18" charset="0"/>
-                        <a:sym typeface="Wingdings" pitchFamily="2" charset="2"/>
-                      </a:rPr>
+                      <a:rPr lang="ar-AE"/>
                       <m:t>=</m:t>
                     </m:r>
                     <m:r>
-                      <a:rPr lang="en-US" b="0" i="1" smtClean="0">
-                        <a:latin typeface="Cambria Math" panose="02040503050406030204" pitchFamily="18" charset="0"/>
-                        <a:sym typeface="Wingdings" pitchFamily="2" charset="2"/>
-                      </a:rPr>
+                      <a:rPr lang="ar-AE" i="1"/>
                       <m:t>𝑧</m:t>
+                    </m:r>
+                    <m:r>
+                      <a:rPr lang="ar-AE"/>
+                      <m:t>=</m:t>
+                    </m:r>
+                    <m:sSub>
+                      <m:sSubPr>
+                        <m:ctrlPr>
+                          <a:rPr lang="ar-AE" i="1"/>
+                        </m:ctrlPr>
+                      </m:sSubPr>
+                      <m:e>
+                        <m:r>
+                          <a:rPr lang="ar-AE" i="1"/>
+                          <m:t>𝛽</m:t>
+                        </m:r>
+                      </m:e>
+                      <m:sub>
+                        <m:r>
+                          <a:rPr lang="ar-AE"/>
+                          <m:t>0</m:t>
+                        </m:r>
+                      </m:sub>
+                    </m:sSub>
+                    <m:r>
+                      <a:rPr lang="ar-AE"/>
+                      <m:t>+</m:t>
+                    </m:r>
+                    <m:sSub>
+                      <m:sSubPr>
+                        <m:ctrlPr>
+                          <a:rPr lang="ar-AE" i="1"/>
+                        </m:ctrlPr>
+                      </m:sSubPr>
+                      <m:e>
+                        <m:r>
+                          <a:rPr lang="ar-AE" i="1"/>
+                          <m:t>𝛽</m:t>
+                        </m:r>
+                      </m:e>
+                      <m:sub>
+                        <m:r>
+                          <a:rPr lang="ar-AE"/>
+                          <m:t>1</m:t>
+                        </m:r>
+                      </m:sub>
+                    </m:sSub>
+                    <m:r>
+                      <a:rPr lang="ar-AE" i="1"/>
+                      <m:t>𝑋</m:t>
                     </m:r>
                   </m:oMath>
                 </a14:m>
-                <a:r>
-                  <a:rPr lang="en-US" dirty="0"/>
-                  <a:t>     (</a:t>
-                </a:r>
-                <a:r>
-                  <a:rPr lang="en-US" dirty="0">
-                    <a:hlinkClick r:id="" action="ppaction://hlinkshowjump?jump=nextslide"/>
-                  </a:rPr>
-                  <a:t>proof</a:t>
-                </a:r>
-                <a:r>
-                  <a:rPr lang="en-US" dirty="0"/>
-                  <a:t>)</a:t>
-                </a:r>
+                <a:endParaRPr lang="ar-AE" dirty="0"/>
               </a:p>
               <a:p>
                 <a:pPr lvl="1"/>
                 <a:r>
                   <a:rPr lang="en-US" dirty="0"/>
-                  <a:t>So log odds are modeled as a linear function of X</a:t>
+                  <a:t>So, the logistic regression models the </a:t>
+                </a:r>
+                <a:r>
+                  <a:rPr lang="en-US" b="1" dirty="0"/>
+                  <a:t>log-odds</a:t>
+                </a:r>
+                <a:r>
+                  <a:rPr lang="en-US" dirty="0"/>
+                  <a:t> of success as a linear function of the predictors.</a:t>
                 </a:r>
               </a:p>
               <a:p>
-                <a:pPr lvl="1"/>
-                <a:r>
-                  <a:rPr lang="en-US" dirty="0"/>
-                  <a:t>(The concept of “odds” comes originally from gambling, where it’s more natural to compare the chance of an event happening vs. not happening)</a:t>
-                </a:r>
-              </a:p>
-              <a:p>
-                <a:pPr lvl="2"/>
-                <a:endParaRPr lang="en-US" dirty="0"/>
-              </a:p>
-              <a:p>
-                <a:pPr lvl="1"/>
                 <a:endParaRPr lang="en-US" dirty="0"/>
               </a:p>
             </p:txBody>
           </p:sp>
         </mc:Choice>
-        <mc:Fallback xmlns="">
+        <mc:Fallback>
           <p:sp>
             <p:nvSpPr>
               <p:cNvPr id="3" name="Content Placeholder 2">
                 <a:extLst>
                   <a:ext uri="{FF2B5EF4-FFF2-40B4-BE49-F238E27FC236}">
-                    <a16:creationId xmlns:a16="http://schemas.microsoft.com/office/drawing/2014/main" id="{8BCCF4F2-412E-C840-D722-641F058B6302}"/>
+                    <a16:creationId xmlns:a16="http://schemas.microsoft.com/office/drawing/2014/main" id="{055DAD6C-EC72-600D-912B-8911B191ECDB}"/>
                   </a:ext>
                 </a:extLst>
               </p:cNvPr>
@@ -6197,10 +6247,14 @@
               </p:nvPr>
             </p:nvSpPr>
             <p:spPr>
+              <a:xfrm>
+                <a:off x="838200" y="1825624"/>
+                <a:ext cx="10515600" cy="4809351"/>
+              </a:xfrm>
               <a:blipFill>
                 <a:blip r:embed="rId2"/>
                 <a:stretch>
-                  <a:fillRect l="-1086" t="-3198"/>
+                  <a:fillRect l="-1206" t="-2895" r="-844"/>
                 </a:stretch>
               </a:blipFill>
             </p:spPr>
@@ -6221,10 +6275,10 @@
       </mc:AlternateContent>
       <p:pic>
         <p:nvPicPr>
-          <p:cNvPr id="1026" name="Picture 2" descr="Logistic Regression: Understanding odds ...">
-            <a:extLst>
-              <a:ext uri="{FF2B5EF4-FFF2-40B4-BE49-F238E27FC236}">
-                <a16:creationId xmlns:a16="http://schemas.microsoft.com/office/drawing/2014/main" id="{5B8E0B61-4F72-CD34-CC13-BACEDD58AF03}"/>
+          <p:cNvPr id="4" name="Picture 2" descr="Logistic Regression: Understanding odds ...">
+            <a:extLst>
+              <a:ext uri="{FF2B5EF4-FFF2-40B4-BE49-F238E27FC236}">
+                <a16:creationId xmlns:a16="http://schemas.microsoft.com/office/drawing/2014/main" id="{F55B997B-4EA5-D0DA-FFA6-BCCA96CEDBC7}"/>
               </a:ext>
             </a:extLst>
           </p:cNvPr>
@@ -6248,7 +6302,7 @@
         </p:blipFill>
         <p:spPr bwMode="auto">
           <a:xfrm>
-            <a:off x="9448409" y="1435333"/>
+            <a:off x="9409549" y="2378794"/>
             <a:ext cx="2587474" cy="1642404"/>
           </a:xfrm>
           <a:prstGeom prst="rect">
@@ -6269,7 +6323,7 @@
     </p:spTree>
     <p:extLst>
       <p:ext uri="{BB962C8B-B14F-4D97-AF65-F5344CB8AC3E}">
-        <p14:creationId xmlns:p14="http://schemas.microsoft.com/office/powerpoint/2010/main" val="165701586"/>
+        <p14:creationId xmlns:p14="http://schemas.microsoft.com/office/powerpoint/2010/main" val="213411338"/>
       </p:ext>
     </p:extLst>
   </p:cSld>
@@ -6416,8 +6470,8 @@
           </a:p>
         </p:txBody>
       </p:sp>
-      <mc:AlternateContent xmlns:mc="http://schemas.openxmlformats.org/markup-compatibility/2006" xmlns:a14="http://schemas.microsoft.com/office/drawing/2010/main">
-        <mc:Choice Requires="a14">
+      <mc:AlternateContent xmlns:mc="http://schemas.openxmlformats.org/markup-compatibility/2006">
+        <mc:Choice xmlns:a14="http://schemas.microsoft.com/office/drawing/2010/main" Requires="a14">
           <p:sp>
             <p:nvSpPr>
               <p:cNvPr id="3" name="Content Placeholder 2">
@@ -6441,7 +6495,13 @@
               <a:p>
                 <a:r>
                   <a:rPr lang="en-US" dirty="0"/>
-                  <a:t>Logistic regression estimates changes in probability (odds)</a:t>
+                  <a:t>Logistic regression estimates changes in log (odds)</a:t>
+                </a:r>
+              </a:p>
+              <a:p>
+                <a:r>
+                  <a:rPr lang="en-US" dirty="0"/>
+                  <a:t>To get changes in odds we can exponentiate both sides</a:t>
                 </a:r>
               </a:p>
               <a:p>
@@ -6812,39 +6872,43 @@
                 <a:pPr lvl="1"/>
                 <a:r>
                   <a:rPr lang="en-US" dirty="0"/>
-                  <a:t>(again, for small </a:t>
+                  <a:t>(again, </a:t>
+                </a:r>
+                <a:r>
+                  <a:rPr lang="en-US" b="1" dirty="0"/>
+                  <a:t>for small </a:t>
                 </a:r>
                 <a14:m>
                   <m:oMath xmlns:m="http://schemas.openxmlformats.org/officeDocument/2006/math">
                     <m:sSub>
                       <m:sSubPr>
                         <m:ctrlPr>
-                          <a:rPr lang="en-US" i="1">
+                          <a:rPr lang="en-US" b="1" i="1">
                             <a:latin typeface="Cambria Math" panose="02040503050406030204" pitchFamily="18" charset="0"/>
                           </a:rPr>
                         </m:ctrlPr>
                       </m:sSubPr>
                       <m:e>
                         <m:r>
-                          <a:rPr lang="en-US" i="1">
+                          <a:rPr lang="en-US" b="1" i="1">
                             <a:latin typeface="Cambria Math" panose="02040503050406030204" pitchFamily="18" charset="0"/>
                           </a:rPr>
-                          <m:t>𝛽</m:t>
+                          <m:t>𝜷</m:t>
                         </m:r>
                       </m:e>
                       <m:sub>
                         <m:r>
-                          <a:rPr lang="en-US" i="1">
+                          <a:rPr lang="en-US" b="1" i="1">
                             <a:latin typeface="Cambria Math" panose="02040503050406030204" pitchFamily="18" charset="0"/>
                           </a:rPr>
-                          <m:t>1</m:t>
+                          <m:t>𝟏</m:t>
                         </m:r>
                       </m:sub>
                     </m:sSub>
                   </m:oMath>
                 </a14:m>
                 <a:r>
-                  <a:rPr lang="en-US" dirty="0"/>
+                  <a:rPr lang="en-US" b="1" dirty="0"/>
                   <a:t> we can approximate it with </a:t>
                 </a:r>
                 <a14:m>
@@ -6852,32 +6916,32 @@
                     <m:sSub>
                       <m:sSubPr>
                         <m:ctrlPr>
-                          <a:rPr lang="en-US" i="1">
+                          <a:rPr lang="en-US" b="1" i="1">
                             <a:latin typeface="Cambria Math" panose="02040503050406030204" pitchFamily="18" charset="0"/>
                           </a:rPr>
                         </m:ctrlPr>
                       </m:sSubPr>
                       <m:e>
                         <m:r>
-                          <a:rPr lang="en-US" i="1">
+                          <a:rPr lang="en-US" b="1" i="1">
                             <a:latin typeface="Cambria Math" panose="02040503050406030204" pitchFamily="18" charset="0"/>
                           </a:rPr>
-                          <m:t>𝛽</m:t>
+                          <m:t>𝜷</m:t>
                         </m:r>
                       </m:e>
                       <m:sub>
                         <m:r>
-                          <a:rPr lang="en-US" i="1">
+                          <a:rPr lang="en-US" b="1" i="1">
                             <a:latin typeface="Cambria Math" panose="02040503050406030204" pitchFamily="18" charset="0"/>
                           </a:rPr>
-                          <m:t>1</m:t>
+                          <m:t>𝟏</m:t>
                         </m:r>
                       </m:sub>
                     </m:sSub>
                   </m:oMath>
                 </a14:m>
                 <a:r>
-                  <a:rPr lang="en-US" dirty="0"/>
+                  <a:rPr lang="en-US" b="1" dirty="0"/>
                   <a:t>*100%)</a:t>
                 </a:r>
               </a:p>
@@ -6899,7 +6963,7 @@
             </p:txBody>
           </p:sp>
         </mc:Choice>
-        <mc:Fallback xmlns="">
+        <mc:Fallback>
           <p:sp>
             <p:nvSpPr>
               <p:cNvPr id="3" name="Content Placeholder 2">
@@ -7018,6 +7082,9 @@
           <a:bodyPr/>
           <a:lstStyle/>
           <a:p>
+            <a:pPr marL="0" indent="0">
+              <a:buNone/>
+            </a:pPr>
             <a:r>
               <a:rPr lang="en-US" dirty="0"/>
               <a:t>Unlike linear regression (which minimizes squared errors), logistic regression </a:t>
@@ -7094,8 +7161,8 @@
           </a:p>
         </p:txBody>
       </p:sp>
-      <mc:AlternateContent xmlns:mc="http://schemas.openxmlformats.org/markup-compatibility/2006" xmlns:a14="http://schemas.microsoft.com/office/drawing/2010/main">
-        <mc:Choice Requires="a14">
+      <mc:AlternateContent xmlns:mc="http://schemas.openxmlformats.org/markup-compatibility/2006">
+        <mc:Choice xmlns:a14="http://schemas.microsoft.com/office/drawing/2010/main" Requires="a14">
           <p:sp>
             <p:nvSpPr>
               <p:cNvPr id="3" name="Content Placeholder 2">
@@ -7150,7 +7217,7 @@
                 </a14:m>
                 <a:r>
                   <a:rPr lang="en-US" dirty="0"/>
-                  <a:t>does not work well with binary outcomes</a:t>
+                  <a:t>does not work well with binary outcomes.</a:t>
                 </a:r>
               </a:p>
               <a:p>
@@ -7178,7 +7245,7 @@
                 </a:r>
                 <a:r>
                   <a:rPr lang="en-US" b="1" dirty="0"/>
-                  <a:t>usual R² just doesn’t work well</a:t>
+                  <a:t>usual R² just doesn’t work well.</a:t>
                 </a:r>
               </a:p>
               <a:p>
@@ -7252,13 +7319,18 @@
                 <a:pPr lvl="2"/>
                 <a:r>
                   <a:rPr lang="en-US" dirty="0"/>
-                  <a:t>The higher the better</a:t>
+                  <a:t>The higher </a:t>
                 </a:r>
+                <a:r>
+                  <a:rPr lang="en-US"/>
+                  <a:t>the better.</a:t>
+                </a:r>
+                <a:endParaRPr lang="en-US" dirty="0"/>
               </a:p>
             </p:txBody>
           </p:sp>
         </mc:Choice>
-        <mc:Fallback xmlns="">
+        <mc:Fallback>
           <p:sp>
             <p:nvSpPr>
               <p:cNvPr id="3" name="Content Placeholder 2">

--- a/w4/w4-2-logit.pptx
+++ b/w4/w4-2-logit.pptx
@@ -6,17 +6,18 @@
   </p:sldMasterIdLst>
   <p:sldIdLst>
     <p:sldId id="273" r:id="rId2"/>
-    <p:sldId id="257" r:id="rId3"/>
-    <p:sldId id="268" r:id="rId4"/>
-    <p:sldId id="280" r:id="rId5"/>
-    <p:sldId id="281" r:id="rId6"/>
-    <p:sldId id="269" r:id="rId7"/>
-    <p:sldId id="270" r:id="rId8"/>
-    <p:sldId id="274" r:id="rId9"/>
-    <p:sldId id="275" r:id="rId10"/>
-    <p:sldId id="276" r:id="rId11"/>
-    <p:sldId id="277" r:id="rId12"/>
-    <p:sldId id="278" r:id="rId13"/>
+    <p:sldId id="282" r:id="rId3"/>
+    <p:sldId id="257" r:id="rId4"/>
+    <p:sldId id="268" r:id="rId5"/>
+    <p:sldId id="280" r:id="rId6"/>
+    <p:sldId id="281" r:id="rId7"/>
+    <p:sldId id="269" r:id="rId8"/>
+    <p:sldId id="270" r:id="rId9"/>
+    <p:sldId id="274" r:id="rId10"/>
+    <p:sldId id="275" r:id="rId11"/>
+    <p:sldId id="276" r:id="rId12"/>
+    <p:sldId id="277" r:id="rId13"/>
+    <p:sldId id="278" r:id="rId14"/>
   </p:sldIdLst>
   <p:sldSz cx="12192000" cy="6858000"/>
   <p:notesSz cx="6858000" cy="9144000"/>
@@ -270,7 +271,7 @@
           <a:p>
             <a:fld id="{5B1E926E-0429-6548-8C70-82D5B656A7C9}" type="datetimeFigureOut">
               <a:rPr lang="en-US" smtClean="0"/>
-              <a:t>9/16/25</a:t>
+              <a:t>9/17/25</a:t>
             </a:fld>
             <a:endParaRPr lang="en-US"/>
           </a:p>
@@ -468,7 +469,7 @@
           <a:p>
             <a:fld id="{5B1E926E-0429-6548-8C70-82D5B656A7C9}" type="datetimeFigureOut">
               <a:rPr lang="en-US" smtClean="0"/>
-              <a:t>9/16/25</a:t>
+              <a:t>9/17/25</a:t>
             </a:fld>
             <a:endParaRPr lang="en-US"/>
           </a:p>
@@ -676,7 +677,7 @@
           <a:p>
             <a:fld id="{5B1E926E-0429-6548-8C70-82D5B656A7C9}" type="datetimeFigureOut">
               <a:rPr lang="en-US" smtClean="0"/>
-              <a:t>9/16/25</a:t>
+              <a:t>9/17/25</a:t>
             </a:fld>
             <a:endParaRPr lang="en-US"/>
           </a:p>
@@ -874,7 +875,7 @@
           <a:p>
             <a:fld id="{5B1E926E-0429-6548-8C70-82D5B656A7C9}" type="datetimeFigureOut">
               <a:rPr lang="en-US" smtClean="0"/>
-              <a:t>9/16/25</a:t>
+              <a:t>9/17/25</a:t>
             </a:fld>
             <a:endParaRPr lang="en-US"/>
           </a:p>
@@ -1149,7 +1150,7 @@
           <a:p>
             <a:fld id="{5B1E926E-0429-6548-8C70-82D5B656A7C9}" type="datetimeFigureOut">
               <a:rPr lang="en-US" smtClean="0"/>
-              <a:t>9/16/25</a:t>
+              <a:t>9/17/25</a:t>
             </a:fld>
             <a:endParaRPr lang="en-US"/>
           </a:p>
@@ -1414,7 +1415,7 @@
           <a:p>
             <a:fld id="{5B1E926E-0429-6548-8C70-82D5B656A7C9}" type="datetimeFigureOut">
               <a:rPr lang="en-US" smtClean="0"/>
-              <a:t>9/16/25</a:t>
+              <a:t>9/17/25</a:t>
             </a:fld>
             <a:endParaRPr lang="en-US"/>
           </a:p>
@@ -1826,7 +1827,7 @@
           <a:p>
             <a:fld id="{5B1E926E-0429-6548-8C70-82D5B656A7C9}" type="datetimeFigureOut">
               <a:rPr lang="en-US" smtClean="0"/>
-              <a:t>9/16/25</a:t>
+              <a:t>9/17/25</a:t>
             </a:fld>
             <a:endParaRPr lang="en-US"/>
           </a:p>
@@ -1967,7 +1968,7 @@
           <a:p>
             <a:fld id="{5B1E926E-0429-6548-8C70-82D5B656A7C9}" type="datetimeFigureOut">
               <a:rPr lang="en-US" smtClean="0"/>
-              <a:t>9/16/25</a:t>
+              <a:t>9/17/25</a:t>
             </a:fld>
             <a:endParaRPr lang="en-US"/>
           </a:p>
@@ -2080,7 +2081,7 @@
           <a:p>
             <a:fld id="{5B1E926E-0429-6548-8C70-82D5B656A7C9}" type="datetimeFigureOut">
               <a:rPr lang="en-US" smtClean="0"/>
-              <a:t>9/16/25</a:t>
+              <a:t>9/17/25</a:t>
             </a:fld>
             <a:endParaRPr lang="en-US"/>
           </a:p>
@@ -2391,7 +2392,7 @@
           <a:p>
             <a:fld id="{5B1E926E-0429-6548-8C70-82D5B656A7C9}" type="datetimeFigureOut">
               <a:rPr lang="en-US" smtClean="0"/>
-              <a:t>9/16/25</a:t>
+              <a:t>9/17/25</a:t>
             </a:fld>
             <a:endParaRPr lang="en-US"/>
           </a:p>
@@ -2679,7 +2680,7 @@
           <a:p>
             <a:fld id="{5B1E926E-0429-6548-8C70-82D5B656A7C9}" type="datetimeFigureOut">
               <a:rPr lang="en-US" smtClean="0"/>
-              <a:t>9/16/25</a:t>
+              <a:t>9/17/25</a:t>
             </a:fld>
             <a:endParaRPr lang="en-US"/>
           </a:p>
@@ -2920,7 +2921,7 @@
           <a:p>
             <a:fld id="{5B1E926E-0429-6548-8C70-82D5B656A7C9}" type="datetimeFigureOut">
               <a:rPr lang="en-US" smtClean="0"/>
-              <a:t>9/16/25</a:t>
+              <a:t>9/17/25</a:t>
             </a:fld>
             <a:endParaRPr lang="en-US"/>
           </a:p>
@@ -3436,6 +3437,273 @@
           <p:cNvPr id="2" name="Title 1">
             <a:extLst>
               <a:ext uri="{FF2B5EF4-FFF2-40B4-BE49-F238E27FC236}">
+                <a16:creationId xmlns:a16="http://schemas.microsoft.com/office/drawing/2014/main" id="{98E5A6DD-A185-86A5-551D-5B6971D1C97B}"/>
+              </a:ext>
+            </a:extLst>
+          </p:cNvPr>
+          <p:cNvSpPr>
+            <a:spLocks noGrp="1"/>
+          </p:cNvSpPr>
+          <p:nvPr>
+            <p:ph type="title"/>
+          </p:nvPr>
+        </p:nvSpPr>
+        <p:spPr/>
+        <p:txBody>
+          <a:bodyPr/>
+          <a:lstStyle/>
+          <a:p>
+            <a:r>
+              <a:rPr lang="en-US" dirty="0"/>
+              <a:t>Model fit</a:t>
+            </a:r>
+          </a:p>
+        </p:txBody>
+      </p:sp>
+      <mc:AlternateContent xmlns:mc="http://schemas.openxmlformats.org/markup-compatibility/2006" xmlns:a14="http://schemas.microsoft.com/office/drawing/2010/main">
+        <mc:Choice Requires="a14">
+          <p:sp>
+            <p:nvSpPr>
+              <p:cNvPr id="3" name="Content Placeholder 2">
+                <a:extLst>
+                  <a:ext uri="{FF2B5EF4-FFF2-40B4-BE49-F238E27FC236}">
+                    <a16:creationId xmlns:a16="http://schemas.microsoft.com/office/drawing/2014/main" id="{EE1D8A0E-8137-39CD-ED72-D5C0CCEDF4A1}"/>
+                  </a:ext>
+                </a:extLst>
+              </p:cNvPr>
+              <p:cNvSpPr>
+                <a:spLocks noGrp="1"/>
+              </p:cNvSpPr>
+              <p:nvPr>
+                <p:ph idx="1"/>
+              </p:nvPr>
+            </p:nvSpPr>
+            <p:spPr/>
+            <p:txBody>
+              <a:bodyPr>
+                <a:normAutofit lnSpcReduction="10000"/>
+              </a:bodyPr>
+              <a:lstStyle/>
+              <a:p>
+                <a14:m>
+                  <m:oMath xmlns:m="http://schemas.openxmlformats.org/officeDocument/2006/math">
+                    <m:sSup>
+                      <m:sSupPr>
+                        <m:ctrlPr>
+                          <a:rPr lang="en-US" b="0" i="1" smtClean="0">
+                            <a:latin typeface="Cambria Math" panose="02040503050406030204" pitchFamily="18" charset="0"/>
+                          </a:rPr>
+                        </m:ctrlPr>
+                      </m:sSupPr>
+                      <m:e>
+                        <m:r>
+                          <a:rPr lang="en-US" b="0" i="1" smtClean="0">
+                            <a:latin typeface="Cambria Math" panose="02040503050406030204" pitchFamily="18" charset="0"/>
+                          </a:rPr>
+                          <m:t>𝑅</m:t>
+                        </m:r>
+                      </m:e>
+                      <m:sup>
+                        <m:r>
+                          <a:rPr lang="en-US" b="0" i="1" smtClean="0">
+                            <a:latin typeface="Cambria Math" panose="02040503050406030204" pitchFamily="18" charset="0"/>
+                          </a:rPr>
+                          <m:t>2</m:t>
+                        </m:r>
+                      </m:sup>
+                    </m:sSup>
+                  </m:oMath>
+                </a14:m>
+                <a:r>
+                  <a:rPr lang="en-US" dirty="0"/>
+                  <a:t>does not work well with binary outcomes.</a:t>
+                </a:r>
+              </a:p>
+              <a:p>
+                <a:r>
+                  <a:rPr lang="en-US" dirty="0"/>
+                  <a:t>Binary outcomes are about </a:t>
+                </a:r>
+                <a:r>
+                  <a:rPr lang="en-US" b="1" dirty="0"/>
+                  <a:t>yes/no decisions</a:t>
+                </a:r>
+                <a:r>
+                  <a:rPr lang="en-US" dirty="0"/>
+                  <a:t>, not “how much” </a:t>
+                </a:r>
+                <a:r>
+                  <a:rPr lang="en-US" dirty="0">
+                    <a:sym typeface="Wingdings" pitchFamily="2" charset="2"/>
+                  </a:rPr>
+                  <a:t> </a:t>
+                </a:r>
+                <a:r>
+                  <a:rPr lang="en-US" dirty="0"/>
+                  <a:t>the </a:t>
+                </a:r>
+                <a:r>
+                  <a:rPr lang="en-US" b="1" dirty="0"/>
+                  <a:t>usual R² just doesn’t work well.</a:t>
+                </a:r>
+              </a:p>
+              <a:p>
+                <a:endParaRPr lang="en-US" b="1" dirty="0"/>
+              </a:p>
+              <a:p>
+                <a:r>
+                  <a:rPr lang="en-US" dirty="0"/>
+                  <a:t>There are alternative measures of fit, e.g.,</a:t>
+                </a:r>
+              </a:p>
+              <a:p>
+                <a:pPr lvl="1"/>
+                <a:r>
+                  <a:rPr lang="en-US" b="1" dirty="0"/>
+                  <a:t>Pseudo- </a:t>
+                </a:r>
+                <a14:m>
+                  <m:oMath xmlns:m="http://schemas.openxmlformats.org/officeDocument/2006/math">
+                    <m:sSup>
+                      <m:sSupPr>
+                        <m:ctrlPr>
+                          <a:rPr lang="en-US" b="1" i="1">
+                            <a:latin typeface="Cambria Math" panose="02040503050406030204" pitchFamily="18" charset="0"/>
+                          </a:rPr>
+                        </m:ctrlPr>
+                      </m:sSupPr>
+                      <m:e>
+                        <m:r>
+                          <a:rPr lang="en-US" b="1" i="1">
+                            <a:latin typeface="Cambria Math" panose="02040503050406030204" pitchFamily="18" charset="0"/>
+                          </a:rPr>
+                          <m:t>𝑹</m:t>
+                        </m:r>
+                      </m:e>
+                      <m:sup>
+                        <m:r>
+                          <a:rPr lang="en-US" b="1" i="1">
+                            <a:latin typeface="Cambria Math" panose="02040503050406030204" pitchFamily="18" charset="0"/>
+                          </a:rPr>
+                          <m:t>𝟐</m:t>
+                        </m:r>
+                      </m:sup>
+                    </m:sSup>
+                  </m:oMath>
+                </a14:m>
+                <a:r>
+                  <a:rPr lang="en-US" dirty="0"/>
+                  <a:t>: How much better is this model at predicting 0s and 1s compared to guessing the average?</a:t>
+                </a:r>
+              </a:p>
+              <a:p>
+                <a:pPr lvl="2"/>
+                <a:r>
+                  <a:rPr lang="en-US" dirty="0"/>
+                  <a:t>It's useful for checking if your logistic model is doing better than chance.</a:t>
+                </a:r>
+              </a:p>
+              <a:p>
+                <a:pPr lvl="1"/>
+                <a:r>
+                  <a:rPr lang="en-US" b="1" dirty="0"/>
+                  <a:t>Log Likelihood</a:t>
+                </a:r>
+                <a:r>
+                  <a:rPr lang="en-US" dirty="0"/>
+                  <a:t>: is a measure of how well the model’s predicted probabilities match the actual 0/1 outcomes.</a:t>
+                </a:r>
+              </a:p>
+              <a:p>
+                <a:pPr lvl="2"/>
+                <a:r>
+                  <a:rPr lang="en-US" dirty="0"/>
+                  <a:t>The higher </a:t>
+                </a:r>
+                <a:r>
+                  <a:rPr lang="en-US"/>
+                  <a:t>the better.</a:t>
+                </a:r>
+                <a:endParaRPr lang="en-US" dirty="0"/>
+              </a:p>
+            </p:txBody>
+          </p:sp>
+        </mc:Choice>
+        <mc:Fallback xmlns="">
+          <p:sp>
+            <p:nvSpPr>
+              <p:cNvPr id="3" name="Content Placeholder 2">
+                <a:extLst>
+                  <a:ext uri="{FF2B5EF4-FFF2-40B4-BE49-F238E27FC236}">
+                    <a16:creationId xmlns:a16="http://schemas.microsoft.com/office/drawing/2014/main" id="{EE1D8A0E-8137-39CD-ED72-D5C0CCEDF4A1}"/>
+                  </a:ext>
+                </a:extLst>
+              </p:cNvPr>
+              <p:cNvSpPr>
+                <a:spLocks noGrp="1" noRot="1" noChangeAspect="1" noMove="1" noResize="1" noEditPoints="1" noAdjustHandles="1" noChangeArrowheads="1" noChangeShapeType="1" noTextEdit="1"/>
+              </p:cNvSpPr>
+              <p:nvPr>
+                <p:ph idx="1"/>
+              </p:nvPr>
+            </p:nvSpPr>
+            <p:spPr>
+              <a:blipFill>
+                <a:blip r:embed="rId2"/>
+                <a:stretch>
+                  <a:fillRect l="-1086" t="-3198" r="-241"/>
+                </a:stretch>
+              </a:blipFill>
+            </p:spPr>
+            <p:txBody>
+              <a:bodyPr/>
+              <a:lstStyle/>
+              <a:p>
+                <a:r>
+                  <a:rPr lang="en-US">
+                    <a:noFill/>
+                  </a:rPr>
+                  <a:t> </a:t>
+                </a:r>
+              </a:p>
+            </p:txBody>
+          </p:sp>
+        </mc:Fallback>
+      </mc:AlternateContent>
+    </p:spTree>
+    <p:extLst>
+      <p:ext uri="{BB962C8B-B14F-4D97-AF65-F5344CB8AC3E}">
+        <p14:creationId xmlns:p14="http://schemas.microsoft.com/office/powerpoint/2010/main" val="3722917836"/>
+      </p:ext>
+    </p:extLst>
+  </p:cSld>
+  <p:clrMapOvr>
+    <a:masterClrMapping/>
+  </p:clrMapOvr>
+</p:sld>
+</file>
+
+<file path=ppt/slides/slide11.xml><?xml version="1.0" encoding="utf-8"?>
+<p:sld xmlns:a="http://schemas.openxmlformats.org/drawingml/2006/main" xmlns:r="http://schemas.openxmlformats.org/officeDocument/2006/relationships" xmlns:p="http://schemas.openxmlformats.org/presentationml/2006/main">
+  <p:cSld>
+    <p:spTree>
+      <p:nvGrpSpPr>
+        <p:cNvPr id="1" name=""/>
+        <p:cNvGrpSpPr/>
+        <p:nvPr/>
+      </p:nvGrpSpPr>
+      <p:grpSpPr>
+        <a:xfrm>
+          <a:off x="0" y="0"/>
+          <a:ext cx="0" cy="0"/>
+          <a:chOff x="0" y="0"/>
+          <a:chExt cx="0" cy="0"/>
+        </a:xfrm>
+      </p:grpSpPr>
+      <p:sp>
+        <p:nvSpPr>
+          <p:cNvPr id="2" name="Title 1">
+            <a:extLst>
+              <a:ext uri="{FF2B5EF4-FFF2-40B4-BE49-F238E27FC236}">
                 <a16:creationId xmlns:a16="http://schemas.microsoft.com/office/drawing/2014/main" id="{A7080B8B-0505-B04F-D149-C3D045F6A841}"/>
               </a:ext>
             </a:extLst>
@@ -3757,7 +4025,7 @@
 </p:sld>
 </file>
 
-<file path=ppt/slides/slide11.xml><?xml version="1.0" encoding="utf-8"?>
+<file path=ppt/slides/slide12.xml><?xml version="1.0" encoding="utf-8"?>
 <p:sld xmlns:a="http://schemas.openxmlformats.org/drawingml/2006/main" xmlns:r="http://schemas.openxmlformats.org/officeDocument/2006/relationships" xmlns:p="http://schemas.openxmlformats.org/presentationml/2006/main">
   <p:cSld>
     <p:spTree>
@@ -4141,7 +4409,7 @@
 </p:sld>
 </file>
 
-<file path=ppt/slides/slide12.xml><?xml version="1.0" encoding="utf-8"?>
+<file path=ppt/slides/slide13.xml><?xml version="1.0" encoding="utf-8"?>
 <p:sld xmlns:a="http://schemas.openxmlformats.org/drawingml/2006/main" xmlns:r="http://schemas.openxmlformats.org/officeDocument/2006/relationships" xmlns:p="http://schemas.openxmlformats.org/presentationml/2006/main">
   <p:cSld>
     <p:spTree>
@@ -4697,7 +4965,7 @@
           <p:cNvPr id="2" name="Title 1">
             <a:extLst>
               <a:ext uri="{FF2B5EF4-FFF2-40B4-BE49-F238E27FC236}">
-                <a16:creationId xmlns:a16="http://schemas.microsoft.com/office/drawing/2014/main" id="{9CD8AC44-50A9-8A2D-5224-400C238065A5}"/>
+                <a16:creationId xmlns:a16="http://schemas.microsoft.com/office/drawing/2014/main" id="{33969511-3188-2272-A093-C5034A955DF7}"/>
               </a:ext>
             </a:extLst>
           </p:cNvPr>
@@ -4715,7 +4983,7 @@
           <a:p>
             <a:r>
               <a:rPr lang="en-US" dirty="0"/>
-              <a:t>What we will learn</a:t>
+              <a:t>A few things</a:t>
             </a:r>
           </a:p>
         </p:txBody>
@@ -4725,7 +4993,7 @@
           <p:cNvPr id="3" name="Content Placeholder 2">
             <a:extLst>
               <a:ext uri="{FF2B5EF4-FFF2-40B4-BE49-F238E27FC236}">
-                <a16:creationId xmlns:a16="http://schemas.microsoft.com/office/drawing/2014/main" id="{0A7681EE-C448-3138-165C-05A24977A38C}"/>
+                <a16:creationId xmlns:a16="http://schemas.microsoft.com/office/drawing/2014/main" id="{2057788D-A0B8-9743-3672-0D136E1E132F}"/>
               </a:ext>
             </a:extLst>
           </p:cNvPr>
@@ -4742,45 +5010,15 @@
           <a:lstStyle/>
           <a:p>
             <a:r>
+              <a:rPr lang="en-US"/>
+              <a:t>Homework 1 and 2</a:t>
+            </a:r>
+            <a:endParaRPr lang="en-US" dirty="0"/>
+          </a:p>
+          <a:p>
+            <a:r>
               <a:rPr lang="en-US" dirty="0"/>
-              <a:t>We continue to talk about </a:t>
-            </a:r>
-            <a:r>
-              <a:rPr lang="en-US" b="1" dirty="0"/>
-              <a:t>covariation</a:t>
-            </a:r>
-            <a:r>
-              <a:rPr lang="en-US" dirty="0"/>
-              <a:t> and learn how to model it using regressions</a:t>
-            </a:r>
-          </a:p>
-          <a:p>
-            <a:pPr lvl="1"/>
-            <a:endParaRPr lang="en-US" dirty="0"/>
-          </a:p>
-          <a:p>
-            <a:r>
-              <a:rPr lang="en-US" dirty="0"/>
-              <a:t>We are going to cover regressions for binary outcomes, i.e., logistic regressions</a:t>
-            </a:r>
-          </a:p>
-          <a:p>
-            <a:endParaRPr lang="en-US" dirty="0"/>
-          </a:p>
-          <a:p>
-            <a:r>
-              <a:rPr lang="en-US" dirty="0"/>
-              <a:t>Chapter </a:t>
-            </a:r>
-            <a:r>
-              <a:rPr lang="en-US" dirty="0">
-                <a:hlinkClick r:id="rId2"/>
-              </a:rPr>
-              <a:t>3.6</a:t>
-            </a:r>
-            <a:r>
-              <a:rPr lang="en-US" dirty="0"/>
-              <a:t> of R for Marketing Students</a:t>
+              <a:t>Groups</a:t>
             </a:r>
           </a:p>
         </p:txBody>
@@ -4788,7 +5026,7 @@
     </p:spTree>
     <p:extLst>
       <p:ext uri="{BB962C8B-B14F-4D97-AF65-F5344CB8AC3E}">
-        <p14:creationId xmlns:p14="http://schemas.microsoft.com/office/powerpoint/2010/main" val="1585434795"/>
+        <p14:creationId xmlns:p14="http://schemas.microsoft.com/office/powerpoint/2010/main" val="3357349670"/>
       </p:ext>
     </p:extLst>
   </p:cSld>
@@ -4820,6 +5058,129 @@
           <p:cNvPr id="2" name="Title 1">
             <a:extLst>
               <a:ext uri="{FF2B5EF4-FFF2-40B4-BE49-F238E27FC236}">
+                <a16:creationId xmlns:a16="http://schemas.microsoft.com/office/drawing/2014/main" id="{9CD8AC44-50A9-8A2D-5224-400C238065A5}"/>
+              </a:ext>
+            </a:extLst>
+          </p:cNvPr>
+          <p:cNvSpPr>
+            <a:spLocks noGrp="1"/>
+          </p:cNvSpPr>
+          <p:nvPr>
+            <p:ph type="title"/>
+          </p:nvPr>
+        </p:nvSpPr>
+        <p:spPr/>
+        <p:txBody>
+          <a:bodyPr/>
+          <a:lstStyle/>
+          <a:p>
+            <a:r>
+              <a:rPr lang="en-US" dirty="0"/>
+              <a:t>What we will learn</a:t>
+            </a:r>
+          </a:p>
+        </p:txBody>
+      </p:sp>
+      <p:sp>
+        <p:nvSpPr>
+          <p:cNvPr id="3" name="Content Placeholder 2">
+            <a:extLst>
+              <a:ext uri="{FF2B5EF4-FFF2-40B4-BE49-F238E27FC236}">
+                <a16:creationId xmlns:a16="http://schemas.microsoft.com/office/drawing/2014/main" id="{0A7681EE-C448-3138-165C-05A24977A38C}"/>
+              </a:ext>
+            </a:extLst>
+          </p:cNvPr>
+          <p:cNvSpPr>
+            <a:spLocks noGrp="1"/>
+          </p:cNvSpPr>
+          <p:nvPr>
+            <p:ph idx="1"/>
+          </p:nvPr>
+        </p:nvSpPr>
+        <p:spPr/>
+        <p:txBody>
+          <a:bodyPr/>
+          <a:lstStyle/>
+          <a:p>
+            <a:r>
+              <a:rPr lang="en-US" dirty="0"/>
+              <a:t>We continue to talk about </a:t>
+            </a:r>
+            <a:r>
+              <a:rPr lang="en-US" b="1" dirty="0"/>
+              <a:t>covariation</a:t>
+            </a:r>
+            <a:r>
+              <a:rPr lang="en-US" dirty="0"/>
+              <a:t> and learn how to model it using regressions</a:t>
+            </a:r>
+          </a:p>
+          <a:p>
+            <a:pPr lvl="1"/>
+            <a:endParaRPr lang="en-US" dirty="0"/>
+          </a:p>
+          <a:p>
+            <a:r>
+              <a:rPr lang="en-US" dirty="0"/>
+              <a:t>We are going to cover regressions for binary outcomes, i.e., logistic regressions</a:t>
+            </a:r>
+          </a:p>
+          <a:p>
+            <a:endParaRPr lang="en-US" dirty="0"/>
+          </a:p>
+          <a:p>
+            <a:r>
+              <a:rPr lang="en-US" dirty="0"/>
+              <a:t>Chapter </a:t>
+            </a:r>
+            <a:r>
+              <a:rPr lang="en-US" dirty="0">
+                <a:hlinkClick r:id="rId2"/>
+              </a:rPr>
+              <a:t>3.6</a:t>
+            </a:r>
+            <a:r>
+              <a:rPr lang="en-US" dirty="0"/>
+              <a:t> of R for Marketing Students</a:t>
+            </a:r>
+          </a:p>
+        </p:txBody>
+      </p:sp>
+    </p:spTree>
+    <p:extLst>
+      <p:ext uri="{BB962C8B-B14F-4D97-AF65-F5344CB8AC3E}">
+        <p14:creationId xmlns:p14="http://schemas.microsoft.com/office/powerpoint/2010/main" val="1585434795"/>
+      </p:ext>
+    </p:extLst>
+  </p:cSld>
+  <p:clrMapOvr>
+    <a:masterClrMapping/>
+  </p:clrMapOvr>
+</p:sld>
+</file>
+
+<file path=ppt/slides/slide4.xml><?xml version="1.0" encoding="utf-8"?>
+<p:sld xmlns:a="http://schemas.openxmlformats.org/drawingml/2006/main" xmlns:r="http://schemas.openxmlformats.org/officeDocument/2006/relationships" xmlns:p="http://schemas.openxmlformats.org/presentationml/2006/main">
+  <p:cSld>
+    <p:spTree>
+      <p:nvGrpSpPr>
+        <p:cNvPr id="1" name=""/>
+        <p:cNvGrpSpPr/>
+        <p:nvPr/>
+      </p:nvGrpSpPr>
+      <p:grpSpPr>
+        <a:xfrm>
+          <a:off x="0" y="0"/>
+          <a:ext cx="0" cy="0"/>
+          <a:chOff x="0" y="0"/>
+          <a:chExt cx="0" cy="0"/>
+        </a:xfrm>
+      </p:grpSpPr>
+      <p:sp>
+        <p:nvSpPr>
+          <p:cNvPr id="2" name="Title 1">
+            <a:extLst>
+              <a:ext uri="{FF2B5EF4-FFF2-40B4-BE49-F238E27FC236}">
                 <a16:creationId xmlns:a16="http://schemas.microsoft.com/office/drawing/2014/main" id="{274BA048-7402-CCCF-C9A5-F1CD4DFB16F7}"/>
               </a:ext>
             </a:extLst>
@@ -4910,7 +5271,7 @@
 </p:sld>
 </file>
 
-<file path=ppt/slides/slide4.xml><?xml version="1.0" encoding="utf-8"?>
+<file path=ppt/slides/slide5.xml><?xml version="1.0" encoding="utf-8"?>
 <p:sld xmlns:a="http://schemas.openxmlformats.org/drawingml/2006/main" xmlns:r="http://schemas.openxmlformats.org/officeDocument/2006/relationships" xmlns:p="http://schemas.openxmlformats.org/presentationml/2006/main">
   <p:cSld>
     <p:spTree>
@@ -4961,8 +5322,8 @@
           </a:p>
         </p:txBody>
       </p:sp>
-      <mc:AlternateContent xmlns:mc="http://schemas.openxmlformats.org/markup-compatibility/2006">
-        <mc:Choice xmlns:a14="http://schemas.microsoft.com/office/drawing/2010/main" Requires="a14">
+      <mc:AlternateContent xmlns:mc="http://schemas.openxmlformats.org/markup-compatibility/2006" xmlns:a14="http://schemas.microsoft.com/office/drawing/2010/main">
+        <mc:Choice Requires="a14">
           <p:sp>
             <p:nvSpPr>
               <p:cNvPr id="3" name="Content Placeholder 2">
@@ -5033,78 +5394,108 @@
                     </m:oMathParaPr>
                     <m:oMath xmlns:m="http://schemas.openxmlformats.org/officeDocument/2006/math">
                       <m:r>
-                        <a:rPr lang="ar-AE" i="1"/>
+                        <a:rPr lang="ar-AE" i="1">
+                          <a:latin typeface="Cambria Math" panose="02040503050406030204" pitchFamily="18" charset="0"/>
+                        </a:rPr>
                         <m:t>𝑝</m:t>
                       </m:r>
                       <m:r>
-                        <a:rPr lang="ar-AE"/>
+                        <a:rPr lang="ar-AE">
+                          <a:latin typeface="Cambria Math" panose="02040503050406030204" pitchFamily="18" charset="0"/>
+                        </a:rPr>
                         <m:t>=</m:t>
                       </m:r>
                       <m:r>
-                        <a:rPr lang="ar-AE" i="1"/>
+                        <a:rPr lang="ar-AE" i="1">
+                          <a:latin typeface="Cambria Math" panose="02040503050406030204" pitchFamily="18" charset="0"/>
+                        </a:rPr>
                         <m:t>𝑃</m:t>
                       </m:r>
                       <m:d>
                         <m:dPr>
                           <m:ctrlPr>
-                            <a:rPr lang="ar-AE" i="1"/>
+                            <a:rPr lang="ar-AE" i="1">
+                              <a:latin typeface="Cambria Math" panose="02040503050406030204" pitchFamily="18" charset="0"/>
+                            </a:rPr>
                           </m:ctrlPr>
                         </m:dPr>
                         <m:e>
                           <m:r>
-                            <a:rPr lang="ar-AE" i="1"/>
+                            <a:rPr lang="ar-AE" i="1">
+                              <a:latin typeface="Cambria Math" panose="02040503050406030204" pitchFamily="18" charset="0"/>
+                            </a:rPr>
                             <m:t>𝑌</m:t>
                           </m:r>
                           <m:r>
-                            <a:rPr lang="ar-AE"/>
+                            <a:rPr lang="ar-AE">
+                              <a:latin typeface="Cambria Math" panose="02040503050406030204" pitchFamily="18" charset="0"/>
+                            </a:rPr>
                             <m:t>=1∣</m:t>
                           </m:r>
                           <m:r>
-                            <a:rPr lang="ar-AE" i="1"/>
+                            <a:rPr lang="ar-AE" i="1">
+                              <a:latin typeface="Cambria Math" panose="02040503050406030204" pitchFamily="18" charset="0"/>
+                            </a:rPr>
                             <m:t>𝑋</m:t>
                           </m:r>
                         </m:e>
                       </m:d>
                       <m:r>
-                        <a:rPr lang="ar-AE"/>
+                        <a:rPr lang="ar-AE">
+                          <a:latin typeface="Cambria Math" panose="02040503050406030204" pitchFamily="18" charset="0"/>
+                        </a:rPr>
                         <m:t>=</m:t>
                       </m:r>
                       <m:f>
                         <m:fPr>
                           <m:ctrlPr>
-                            <a:rPr lang="ar-AE" i="1"/>
+                            <a:rPr lang="ar-AE" i="1">
+                              <a:latin typeface="Cambria Math" panose="02040503050406030204" pitchFamily="18" charset="0"/>
+                            </a:rPr>
                           </m:ctrlPr>
                         </m:fPr>
                         <m:num>
                           <m:r>
-                            <a:rPr lang="ar-AE"/>
+                            <a:rPr lang="ar-AE">
+                              <a:latin typeface="Cambria Math" panose="02040503050406030204" pitchFamily="18" charset="0"/>
+                            </a:rPr>
                             <m:t>1</m:t>
                           </m:r>
                         </m:num>
                         <m:den>
                           <m:r>
-                            <a:rPr lang="ar-AE"/>
+                            <a:rPr lang="ar-AE">
+                              <a:latin typeface="Cambria Math" panose="02040503050406030204" pitchFamily="18" charset="0"/>
+                            </a:rPr>
                             <m:t>1+</m:t>
                           </m:r>
                           <m:sSup>
                             <m:sSupPr>
                               <m:ctrlPr>
-                                <a:rPr lang="ar-AE" i="1"/>
+                                <a:rPr lang="ar-AE" i="1">
+                                  <a:latin typeface="Cambria Math" panose="02040503050406030204" pitchFamily="18" charset="0"/>
+                                </a:rPr>
                               </m:ctrlPr>
                             </m:sSupPr>
                             <m:e>
                               <m:r>
-                                <a:rPr lang="ar-AE" i="1"/>
+                                <a:rPr lang="ar-AE" i="1">
+                                  <a:latin typeface="Cambria Math" panose="02040503050406030204" pitchFamily="18" charset="0"/>
+                                </a:rPr>
                                 <m:t>𝑒</m:t>
                               </m:r>
                             </m:e>
                             <m:sup>
                               <m:r>
-                                <a:rPr lang="ar-AE"/>
+                                <a:rPr lang="ar-AE">
+                                  <a:latin typeface="Cambria Math" panose="02040503050406030204" pitchFamily="18" charset="0"/>
+                                </a:rPr>
                                 <m:t>−</m:t>
                               </m:r>
                               <m:r>
-                                <a:rPr lang="ar-AE" i="1"/>
+                                <a:rPr lang="ar-AE" i="1">
+                                  <a:latin typeface="Cambria Math" panose="02040503050406030204" pitchFamily="18" charset="0"/>
+                                </a:rPr>
                                 <m:t>𝑧</m:t>
                               </m:r>
                             </m:sup>
@@ -5127,57 +5518,77 @@
                 <a14:m>
                   <m:oMath xmlns:m="http://schemas.openxmlformats.org/officeDocument/2006/math">
                     <m:r>
-                      <a:rPr lang="en-US" i="1"/>
+                      <a:rPr lang="en-US" i="1">
+                        <a:latin typeface="Cambria Math" panose="02040503050406030204" pitchFamily="18" charset="0"/>
+                      </a:rPr>
                       <m:t>𝑧</m:t>
                     </m:r>
                     <m:r>
-                      <a:rPr lang="en-US"/>
+                      <a:rPr lang="en-US">
+                        <a:latin typeface="Cambria Math" panose="02040503050406030204" pitchFamily="18" charset="0"/>
+                      </a:rPr>
                       <m:t>=</m:t>
                     </m:r>
                     <m:sSub>
                       <m:sSubPr>
                         <m:ctrlPr>
-                          <a:rPr lang="ar-AE" i="1"/>
+                          <a:rPr lang="ar-AE" i="1">
+                            <a:latin typeface="Cambria Math" panose="02040503050406030204" pitchFamily="18" charset="0"/>
+                          </a:rPr>
                         </m:ctrlPr>
                       </m:sSubPr>
                       <m:e>
                         <m:r>
-                          <a:rPr lang="ar-AE" i="1"/>
+                          <a:rPr lang="ar-AE" i="1">
+                            <a:latin typeface="Cambria Math" panose="02040503050406030204" pitchFamily="18" charset="0"/>
+                          </a:rPr>
                           <m:t>𝛽</m:t>
                         </m:r>
                       </m:e>
                       <m:sub>
                         <m:r>
-                          <a:rPr lang="ar-AE"/>
+                          <a:rPr lang="ar-AE">
+                            <a:latin typeface="Cambria Math" panose="02040503050406030204" pitchFamily="18" charset="0"/>
+                          </a:rPr>
                           <m:t>0</m:t>
                         </m:r>
                       </m:sub>
                     </m:sSub>
                     <m:r>
-                      <a:rPr lang="ar-AE"/>
+                      <a:rPr lang="ar-AE">
+                        <a:latin typeface="Cambria Math" panose="02040503050406030204" pitchFamily="18" charset="0"/>
+                      </a:rPr>
                       <m:t>+</m:t>
                     </m:r>
                     <m:sSub>
                       <m:sSubPr>
                         <m:ctrlPr>
-                          <a:rPr lang="ar-AE" i="1"/>
+                          <a:rPr lang="ar-AE" i="1">
+                            <a:latin typeface="Cambria Math" panose="02040503050406030204" pitchFamily="18" charset="0"/>
+                          </a:rPr>
                         </m:ctrlPr>
                       </m:sSubPr>
                       <m:e>
                         <m:r>
-                          <a:rPr lang="ar-AE" i="1"/>
+                          <a:rPr lang="ar-AE" i="1">
+                            <a:latin typeface="Cambria Math" panose="02040503050406030204" pitchFamily="18" charset="0"/>
+                          </a:rPr>
                           <m:t>𝛽</m:t>
                         </m:r>
                       </m:e>
                       <m:sub>
                         <m:r>
-                          <a:rPr lang="ar-AE"/>
+                          <a:rPr lang="ar-AE">
+                            <a:latin typeface="Cambria Math" panose="02040503050406030204" pitchFamily="18" charset="0"/>
+                          </a:rPr>
                           <m:t>1</m:t>
                         </m:r>
                       </m:sub>
                     </m:sSub>
                     <m:r>
-                      <a:rPr lang="ar-AE" i="1"/>
+                      <a:rPr lang="ar-AE" i="1">
+                        <a:latin typeface="Cambria Math" panose="02040503050406030204" pitchFamily="18" charset="0"/>
+                      </a:rPr>
                       <m:t>𝑋</m:t>
                     </m:r>
                   </m:oMath>
@@ -5620,7 +6031,7 @@
             </p:txBody>
           </p:sp>
         </mc:Choice>
-        <mc:Fallback>
+        <mc:Fallback xmlns="">
           <p:sp>
             <p:nvSpPr>
               <p:cNvPr id="3" name="Content Placeholder 2">
@@ -5724,7 +6135,7 @@
 </p:sld>
 </file>
 
-<file path=ppt/slides/slide5.xml><?xml version="1.0" encoding="utf-8"?>
+<file path=ppt/slides/slide6.xml><?xml version="1.0" encoding="utf-8"?>
 <p:sld xmlns:a="http://schemas.openxmlformats.org/drawingml/2006/main" xmlns:r="http://schemas.openxmlformats.org/officeDocument/2006/relationships" xmlns:p="http://schemas.openxmlformats.org/presentationml/2006/main">
   <p:cSld>
     <p:spTree>
@@ -5775,8 +6186,8 @@
           </a:p>
         </p:txBody>
       </p:sp>
-      <mc:AlternateContent xmlns:mc="http://schemas.openxmlformats.org/markup-compatibility/2006">
-        <mc:Choice xmlns:a14="http://schemas.microsoft.com/office/drawing/2010/main" Requires="a14">
+      <mc:AlternateContent xmlns:mc="http://schemas.openxmlformats.org/markup-compatibility/2006" xmlns:a14="http://schemas.microsoft.com/office/drawing/2010/main">
+        <mc:Choice Requires="a14">
           <p:sp>
             <p:nvSpPr>
               <p:cNvPr id="3" name="Content Placeholder 2">
@@ -5847,78 +6258,108 @@
                     </m:oMathParaPr>
                     <m:oMath xmlns:m="http://schemas.openxmlformats.org/officeDocument/2006/math">
                       <m:r>
-                        <a:rPr lang="ar-AE" i="1"/>
+                        <a:rPr lang="ar-AE" i="1">
+                          <a:latin typeface="Cambria Math" panose="02040503050406030204" pitchFamily="18" charset="0"/>
+                        </a:rPr>
                         <m:t>𝑝</m:t>
                       </m:r>
                       <m:r>
-                        <a:rPr lang="ar-AE"/>
+                        <a:rPr lang="ar-AE">
+                          <a:latin typeface="Cambria Math" panose="02040503050406030204" pitchFamily="18" charset="0"/>
+                        </a:rPr>
                         <m:t>=</m:t>
                       </m:r>
                       <m:r>
-                        <a:rPr lang="ar-AE" i="1"/>
+                        <a:rPr lang="ar-AE" i="1">
+                          <a:latin typeface="Cambria Math" panose="02040503050406030204" pitchFamily="18" charset="0"/>
+                        </a:rPr>
                         <m:t>𝑃</m:t>
                       </m:r>
                       <m:d>
                         <m:dPr>
                           <m:ctrlPr>
-                            <a:rPr lang="ar-AE" i="1"/>
+                            <a:rPr lang="ar-AE" i="1">
+                              <a:latin typeface="Cambria Math" panose="02040503050406030204" pitchFamily="18" charset="0"/>
+                            </a:rPr>
                           </m:ctrlPr>
                         </m:dPr>
                         <m:e>
                           <m:r>
-                            <a:rPr lang="ar-AE" i="1"/>
+                            <a:rPr lang="ar-AE" i="1">
+                              <a:latin typeface="Cambria Math" panose="02040503050406030204" pitchFamily="18" charset="0"/>
+                            </a:rPr>
                             <m:t>𝑌</m:t>
                           </m:r>
                           <m:r>
-                            <a:rPr lang="ar-AE"/>
+                            <a:rPr lang="ar-AE">
+                              <a:latin typeface="Cambria Math" panose="02040503050406030204" pitchFamily="18" charset="0"/>
+                            </a:rPr>
                             <m:t>=1∣</m:t>
                           </m:r>
                           <m:r>
-                            <a:rPr lang="ar-AE" i="1"/>
+                            <a:rPr lang="ar-AE" i="1">
+                              <a:latin typeface="Cambria Math" panose="02040503050406030204" pitchFamily="18" charset="0"/>
+                            </a:rPr>
                             <m:t>𝑋</m:t>
                           </m:r>
                         </m:e>
                       </m:d>
                       <m:r>
-                        <a:rPr lang="ar-AE"/>
+                        <a:rPr lang="ar-AE">
+                          <a:latin typeface="Cambria Math" panose="02040503050406030204" pitchFamily="18" charset="0"/>
+                        </a:rPr>
                         <m:t>=</m:t>
                       </m:r>
                       <m:f>
                         <m:fPr>
                           <m:ctrlPr>
-                            <a:rPr lang="ar-AE" i="1"/>
+                            <a:rPr lang="ar-AE" i="1">
+                              <a:latin typeface="Cambria Math" panose="02040503050406030204" pitchFamily="18" charset="0"/>
+                            </a:rPr>
                           </m:ctrlPr>
                         </m:fPr>
                         <m:num>
                           <m:r>
-                            <a:rPr lang="ar-AE"/>
+                            <a:rPr lang="ar-AE">
+                              <a:latin typeface="Cambria Math" panose="02040503050406030204" pitchFamily="18" charset="0"/>
+                            </a:rPr>
                             <m:t>1</m:t>
                           </m:r>
                         </m:num>
                         <m:den>
                           <m:r>
-                            <a:rPr lang="ar-AE"/>
+                            <a:rPr lang="ar-AE">
+                              <a:latin typeface="Cambria Math" panose="02040503050406030204" pitchFamily="18" charset="0"/>
+                            </a:rPr>
                             <m:t>1+</m:t>
                           </m:r>
                           <m:sSup>
                             <m:sSupPr>
                               <m:ctrlPr>
-                                <a:rPr lang="ar-AE" i="1"/>
+                                <a:rPr lang="ar-AE" i="1">
+                                  <a:latin typeface="Cambria Math" panose="02040503050406030204" pitchFamily="18" charset="0"/>
+                                </a:rPr>
                               </m:ctrlPr>
                             </m:sSupPr>
                             <m:e>
                               <m:r>
-                                <a:rPr lang="ar-AE" i="1"/>
+                                <a:rPr lang="ar-AE" i="1">
+                                  <a:latin typeface="Cambria Math" panose="02040503050406030204" pitchFamily="18" charset="0"/>
+                                </a:rPr>
                                 <m:t>𝑒</m:t>
                               </m:r>
                             </m:e>
                             <m:sup>
                               <m:r>
-                                <a:rPr lang="ar-AE"/>
+                                <a:rPr lang="ar-AE">
+                                  <a:latin typeface="Cambria Math" panose="02040503050406030204" pitchFamily="18" charset="0"/>
+                                </a:rPr>
                                 <m:t>−</m:t>
                               </m:r>
                               <m:r>
-                                <a:rPr lang="ar-AE" i="1"/>
+                                <a:rPr lang="ar-AE" i="1">
+                                  <a:latin typeface="Cambria Math" panose="02040503050406030204" pitchFamily="18" charset="0"/>
+                                </a:rPr>
                                 <m:t>𝑧</m:t>
                               </m:r>
                             </m:sup>
@@ -5941,57 +6382,77 @@
                 <a14:m>
                   <m:oMath xmlns:m="http://schemas.openxmlformats.org/officeDocument/2006/math">
                     <m:r>
-                      <a:rPr lang="en-US" i="1"/>
+                      <a:rPr lang="en-US" i="1">
+                        <a:latin typeface="Cambria Math" panose="02040503050406030204" pitchFamily="18" charset="0"/>
+                      </a:rPr>
                       <m:t>𝑧</m:t>
                     </m:r>
                     <m:r>
-                      <a:rPr lang="en-US"/>
+                      <a:rPr lang="en-US">
+                        <a:latin typeface="Cambria Math" panose="02040503050406030204" pitchFamily="18" charset="0"/>
+                      </a:rPr>
                       <m:t>=</m:t>
                     </m:r>
                     <m:sSub>
                       <m:sSubPr>
                         <m:ctrlPr>
-                          <a:rPr lang="ar-AE" i="1"/>
+                          <a:rPr lang="ar-AE" i="1">
+                            <a:latin typeface="Cambria Math" panose="02040503050406030204" pitchFamily="18" charset="0"/>
+                          </a:rPr>
                         </m:ctrlPr>
                       </m:sSubPr>
                       <m:e>
                         <m:r>
-                          <a:rPr lang="ar-AE" i="1"/>
+                          <a:rPr lang="ar-AE" i="1">
+                            <a:latin typeface="Cambria Math" panose="02040503050406030204" pitchFamily="18" charset="0"/>
+                          </a:rPr>
                           <m:t>𝛽</m:t>
                         </m:r>
                       </m:e>
                       <m:sub>
                         <m:r>
-                          <a:rPr lang="ar-AE"/>
+                          <a:rPr lang="ar-AE">
+                            <a:latin typeface="Cambria Math" panose="02040503050406030204" pitchFamily="18" charset="0"/>
+                          </a:rPr>
                           <m:t>0</m:t>
                         </m:r>
                       </m:sub>
                     </m:sSub>
                     <m:r>
-                      <a:rPr lang="ar-AE"/>
+                      <a:rPr lang="ar-AE">
+                        <a:latin typeface="Cambria Math" panose="02040503050406030204" pitchFamily="18" charset="0"/>
+                      </a:rPr>
                       <m:t>+</m:t>
                     </m:r>
                     <m:sSub>
                       <m:sSubPr>
                         <m:ctrlPr>
-                          <a:rPr lang="ar-AE" i="1"/>
+                          <a:rPr lang="ar-AE" i="1">
+                            <a:latin typeface="Cambria Math" panose="02040503050406030204" pitchFamily="18" charset="0"/>
+                          </a:rPr>
                         </m:ctrlPr>
                       </m:sSubPr>
                       <m:e>
                         <m:r>
-                          <a:rPr lang="ar-AE" i="1"/>
+                          <a:rPr lang="ar-AE" i="1">
+                            <a:latin typeface="Cambria Math" panose="02040503050406030204" pitchFamily="18" charset="0"/>
+                          </a:rPr>
                           <m:t>𝛽</m:t>
                         </m:r>
                       </m:e>
                       <m:sub>
                         <m:r>
-                          <a:rPr lang="ar-AE"/>
+                          <a:rPr lang="ar-AE">
+                            <a:latin typeface="Cambria Math" panose="02040503050406030204" pitchFamily="18" charset="0"/>
+                          </a:rPr>
                           <m:t>1</m:t>
                         </m:r>
                       </m:sub>
                     </m:sSub>
                     <m:r>
-                      <a:rPr lang="ar-AE" i="1"/>
+                      <a:rPr lang="ar-AE" i="1">
+                        <a:latin typeface="Cambria Math" panose="02040503050406030204" pitchFamily="18" charset="0"/>
+                      </a:rPr>
                       <m:t>𝑋</m:t>
                     </m:r>
                   </m:oMath>
@@ -6029,45 +6490,61 @@
                     <m:f>
                       <m:fPr>
                         <m:ctrlPr>
-                          <a:rPr lang="ar-AE"/>
+                          <a:rPr lang="ar-AE" i="1">
+                            <a:latin typeface="Cambria Math" panose="02040503050406030204" pitchFamily="18" charset="0"/>
+                          </a:rPr>
                         </m:ctrlPr>
                       </m:fPr>
                       <m:num>
                         <m:r>
-                          <a:rPr lang="ar-AE" i="1"/>
+                          <a:rPr lang="ar-AE" i="1">
+                            <a:latin typeface="Cambria Math" panose="02040503050406030204" pitchFamily="18" charset="0"/>
+                          </a:rPr>
                           <m:t>𝑝</m:t>
                         </m:r>
                       </m:num>
                       <m:den>
                         <m:r>
-                          <a:rPr lang="ar-AE"/>
+                          <a:rPr lang="ar-AE">
+                            <a:latin typeface="Cambria Math" panose="02040503050406030204" pitchFamily="18" charset="0"/>
+                          </a:rPr>
                           <m:t>1−</m:t>
                         </m:r>
                         <m:r>
-                          <a:rPr lang="ar-AE" i="1"/>
+                          <a:rPr lang="ar-AE" i="1">
+                            <a:latin typeface="Cambria Math" panose="02040503050406030204" pitchFamily="18" charset="0"/>
+                          </a:rPr>
                           <m:t>𝑝</m:t>
                         </m:r>
                       </m:den>
                     </m:f>
                     <m:r>
-                      <a:rPr lang="ar-AE"/>
+                      <a:rPr lang="ar-AE">
+                        <a:latin typeface="Cambria Math" panose="02040503050406030204" pitchFamily="18" charset="0"/>
+                      </a:rPr>
                       <m:t>=</m:t>
                     </m:r>
                     <m:sSup>
                       <m:sSupPr>
                         <m:ctrlPr>
-                          <a:rPr lang="ar-AE" i="1"/>
+                          <a:rPr lang="ar-AE" i="1">
+                            <a:latin typeface="Cambria Math" panose="02040503050406030204" pitchFamily="18" charset="0"/>
+                          </a:rPr>
                         </m:ctrlPr>
                       </m:sSupPr>
                       <m:e>
                         <m:r>
-                          <a:rPr lang="ar-AE" i="1"/>
+                          <a:rPr lang="ar-AE" i="1">
+                            <a:latin typeface="Cambria Math" panose="02040503050406030204" pitchFamily="18" charset="0"/>
+                          </a:rPr>
                           <m:t>𝑒</m:t>
                         </m:r>
                       </m:e>
                       <m:sup>
                         <m:r>
-                          <a:rPr lang="ar-AE" i="1"/>
+                          <a:rPr lang="ar-AE" i="1">
+                            <a:latin typeface="Cambria Math" panose="02040503050406030204" pitchFamily="18" charset="0"/>
+                          </a:rPr>
                           <m:t>𝑧</m:t>
                         </m:r>
                       </m:sup>
@@ -6099,7 +6576,9 @@
                     <m:func>
                       <m:funcPr>
                         <m:ctrlPr>
-                          <a:rPr lang="ar-AE" smtClean="0"/>
+                          <a:rPr lang="ar-AE" i="1" smtClean="0">
+                            <a:latin typeface="Cambria Math" panose="02040503050406030204" pitchFamily="18" charset="0"/>
+                          </a:rPr>
                         </m:ctrlPr>
                       </m:funcPr>
                       <m:fName>
@@ -6107,7 +6586,9 @@
                           <m:rPr>
                             <m:sty m:val="p"/>
                           </m:rPr>
-                          <a:rPr lang="en-US"/>
+                          <a:rPr lang="en-US">
+                            <a:latin typeface="Cambria Math" panose="02040503050406030204" pitchFamily="18" charset="0"/>
+                          </a:rPr>
                           <m:t>log</m:t>
                         </m:r>
                       </m:fName>
@@ -6115,29 +6596,39 @@
                         <m:d>
                           <m:dPr>
                             <m:ctrlPr>
-                              <a:rPr lang="ar-AE" i="1"/>
+                              <a:rPr lang="ar-AE" i="1">
+                                <a:latin typeface="Cambria Math" panose="02040503050406030204" pitchFamily="18" charset="0"/>
+                              </a:rPr>
                             </m:ctrlPr>
                           </m:dPr>
                           <m:e>
                             <m:f>
                               <m:fPr>
                                 <m:ctrlPr>
-                                  <a:rPr lang="ar-AE" i="1"/>
+                                  <a:rPr lang="ar-AE" i="1">
+                                    <a:latin typeface="Cambria Math" panose="02040503050406030204" pitchFamily="18" charset="0"/>
+                                  </a:rPr>
                                 </m:ctrlPr>
                               </m:fPr>
                               <m:num>
                                 <m:r>
-                                  <a:rPr lang="ar-AE" i="1"/>
+                                  <a:rPr lang="ar-AE" i="1">
+                                    <a:latin typeface="Cambria Math" panose="02040503050406030204" pitchFamily="18" charset="0"/>
+                                  </a:rPr>
                                   <m:t>𝑝</m:t>
                                 </m:r>
                               </m:num>
                               <m:den>
                                 <m:r>
-                                  <a:rPr lang="ar-AE"/>
+                                  <a:rPr lang="ar-AE">
+                                    <a:latin typeface="Cambria Math" panose="02040503050406030204" pitchFamily="18" charset="0"/>
+                                  </a:rPr>
                                   <m:t>1−</m:t>
                                 </m:r>
                                 <m:r>
-                                  <a:rPr lang="ar-AE" i="1"/>
+                                  <a:rPr lang="ar-AE" i="1">
+                                    <a:latin typeface="Cambria Math" panose="02040503050406030204" pitchFamily="18" charset="0"/>
+                                  </a:rPr>
                                   <m:t>𝑝</m:t>
                                 </m:r>
                               </m:den>
@@ -6147,61 +6638,83 @@
                       </m:e>
                     </m:func>
                     <m:r>
-                      <a:rPr lang="ar-AE"/>
+                      <a:rPr lang="ar-AE">
+                        <a:latin typeface="Cambria Math" panose="02040503050406030204" pitchFamily="18" charset="0"/>
+                      </a:rPr>
                       <m:t>=</m:t>
                     </m:r>
                     <m:r>
-                      <a:rPr lang="ar-AE" i="1"/>
+                      <a:rPr lang="ar-AE" i="1">
+                        <a:latin typeface="Cambria Math" panose="02040503050406030204" pitchFamily="18" charset="0"/>
+                      </a:rPr>
                       <m:t>𝑧</m:t>
                     </m:r>
                     <m:r>
-                      <a:rPr lang="ar-AE"/>
+                      <a:rPr lang="ar-AE">
+                        <a:latin typeface="Cambria Math" panose="02040503050406030204" pitchFamily="18" charset="0"/>
+                      </a:rPr>
                       <m:t>=</m:t>
                     </m:r>
                     <m:sSub>
                       <m:sSubPr>
                         <m:ctrlPr>
-                          <a:rPr lang="ar-AE" i="1"/>
+                          <a:rPr lang="ar-AE" i="1">
+                            <a:latin typeface="Cambria Math" panose="02040503050406030204" pitchFamily="18" charset="0"/>
+                          </a:rPr>
                         </m:ctrlPr>
                       </m:sSubPr>
                       <m:e>
                         <m:r>
-                          <a:rPr lang="ar-AE" i="1"/>
+                          <a:rPr lang="ar-AE" i="1">
+                            <a:latin typeface="Cambria Math" panose="02040503050406030204" pitchFamily="18" charset="0"/>
+                          </a:rPr>
                           <m:t>𝛽</m:t>
                         </m:r>
                       </m:e>
                       <m:sub>
                         <m:r>
-                          <a:rPr lang="ar-AE"/>
+                          <a:rPr lang="ar-AE">
+                            <a:latin typeface="Cambria Math" panose="02040503050406030204" pitchFamily="18" charset="0"/>
+                          </a:rPr>
                           <m:t>0</m:t>
                         </m:r>
                       </m:sub>
                     </m:sSub>
                     <m:r>
-                      <a:rPr lang="ar-AE"/>
+                      <a:rPr lang="ar-AE">
+                        <a:latin typeface="Cambria Math" panose="02040503050406030204" pitchFamily="18" charset="0"/>
+                      </a:rPr>
                       <m:t>+</m:t>
                     </m:r>
                     <m:sSub>
                       <m:sSubPr>
                         <m:ctrlPr>
-                          <a:rPr lang="ar-AE" i="1"/>
+                          <a:rPr lang="ar-AE" i="1">
+                            <a:latin typeface="Cambria Math" panose="02040503050406030204" pitchFamily="18" charset="0"/>
+                          </a:rPr>
                         </m:ctrlPr>
                       </m:sSubPr>
                       <m:e>
                         <m:r>
-                          <a:rPr lang="ar-AE" i="1"/>
+                          <a:rPr lang="ar-AE" i="1">
+                            <a:latin typeface="Cambria Math" panose="02040503050406030204" pitchFamily="18" charset="0"/>
+                          </a:rPr>
                           <m:t>𝛽</m:t>
                         </m:r>
                       </m:e>
                       <m:sub>
                         <m:r>
-                          <a:rPr lang="ar-AE"/>
+                          <a:rPr lang="ar-AE">
+                            <a:latin typeface="Cambria Math" panose="02040503050406030204" pitchFamily="18" charset="0"/>
+                          </a:rPr>
                           <m:t>1</m:t>
                         </m:r>
                       </m:sub>
                     </m:sSub>
                     <m:r>
-                      <a:rPr lang="ar-AE" i="1"/>
+                      <a:rPr lang="ar-AE" i="1">
+                        <a:latin typeface="Cambria Math" panose="02040503050406030204" pitchFamily="18" charset="0"/>
+                      </a:rPr>
                       <m:t>𝑋</m:t>
                     </m:r>
                   </m:oMath>
@@ -6229,7 +6742,7 @@
             </p:txBody>
           </p:sp>
         </mc:Choice>
-        <mc:Fallback>
+        <mc:Fallback xmlns="">
           <p:sp>
             <p:nvSpPr>
               <p:cNvPr id="3" name="Content Placeholder 2">
@@ -6333,7 +6846,7 @@
 </p:sld>
 </file>
 
-<file path=ppt/slides/slide6.xml><?xml version="1.0" encoding="utf-8"?>
+<file path=ppt/slides/slide7.xml><?xml version="1.0" encoding="utf-8"?>
 <p:sld xmlns:a="http://schemas.openxmlformats.org/drawingml/2006/main" xmlns:r="http://schemas.openxmlformats.org/officeDocument/2006/relationships" xmlns:p="http://schemas.openxmlformats.org/presentationml/2006/main">
   <p:cSld>
     <p:spTree>
@@ -6420,7 +6933,7 @@
 </p:sld>
 </file>
 
-<file path=ppt/slides/slide7.xml><?xml version="1.0" encoding="utf-8"?>
+<file path=ppt/slides/slide8.xml><?xml version="1.0" encoding="utf-8"?>
 <p:sld xmlns:a="http://schemas.openxmlformats.org/drawingml/2006/main" xmlns:r="http://schemas.openxmlformats.org/officeDocument/2006/relationships" xmlns:p="http://schemas.openxmlformats.org/presentationml/2006/main">
   <p:cSld>
     <p:spTree>
@@ -6470,8 +6983,8 @@
           </a:p>
         </p:txBody>
       </p:sp>
-      <mc:AlternateContent xmlns:mc="http://schemas.openxmlformats.org/markup-compatibility/2006">
-        <mc:Choice xmlns:a14="http://schemas.microsoft.com/office/drawing/2010/main" Requires="a14">
+      <mc:AlternateContent xmlns:mc="http://schemas.openxmlformats.org/markup-compatibility/2006" xmlns:a14="http://schemas.microsoft.com/office/drawing/2010/main">
+        <mc:Choice Requires="a14">
           <p:sp>
             <p:nvSpPr>
               <p:cNvPr id="3" name="Content Placeholder 2">
@@ -6963,7 +7476,7 @@
             </p:txBody>
           </p:sp>
         </mc:Choice>
-        <mc:Fallback>
+        <mc:Fallback xmlns="">
           <p:sp>
             <p:nvSpPr>
               <p:cNvPr id="3" name="Content Placeholder 2">
@@ -7016,106 +7529,6 @@
 </p:sld>
 </file>
 
-<file path=ppt/slides/slide8.xml><?xml version="1.0" encoding="utf-8"?>
-<p:sld xmlns:a="http://schemas.openxmlformats.org/drawingml/2006/main" xmlns:r="http://schemas.openxmlformats.org/officeDocument/2006/relationships" xmlns:p="http://schemas.openxmlformats.org/presentationml/2006/main">
-  <p:cSld>
-    <p:spTree>
-      <p:nvGrpSpPr>
-        <p:cNvPr id="1" name=""/>
-        <p:cNvGrpSpPr/>
-        <p:nvPr/>
-      </p:nvGrpSpPr>
-      <p:grpSpPr>
-        <a:xfrm>
-          <a:off x="0" y="0"/>
-          <a:ext cx="0" cy="0"/>
-          <a:chOff x="0" y="0"/>
-          <a:chExt cx="0" cy="0"/>
-        </a:xfrm>
-      </p:grpSpPr>
-      <p:sp>
-        <p:nvSpPr>
-          <p:cNvPr id="2" name="Title 1">
-            <a:extLst>
-              <a:ext uri="{FF2B5EF4-FFF2-40B4-BE49-F238E27FC236}">
-                <a16:creationId xmlns:a16="http://schemas.microsoft.com/office/drawing/2014/main" id="{733A69DF-CF30-8168-C5BE-6383EF5B7B26}"/>
-              </a:ext>
-            </a:extLst>
-          </p:cNvPr>
-          <p:cNvSpPr>
-            <a:spLocks noGrp="1"/>
-          </p:cNvSpPr>
-          <p:nvPr>
-            <p:ph type="title"/>
-          </p:nvPr>
-        </p:nvSpPr>
-        <p:spPr/>
-        <p:txBody>
-          <a:bodyPr/>
-          <a:lstStyle/>
-          <a:p>
-            <a:r>
-              <a:rPr lang="en-US" dirty="0"/>
-              <a:t>Estimation</a:t>
-            </a:r>
-          </a:p>
-        </p:txBody>
-      </p:sp>
-      <p:sp>
-        <p:nvSpPr>
-          <p:cNvPr id="3" name="Content Placeholder 2">
-            <a:extLst>
-              <a:ext uri="{FF2B5EF4-FFF2-40B4-BE49-F238E27FC236}">
-                <a16:creationId xmlns:a16="http://schemas.microsoft.com/office/drawing/2014/main" id="{D8BED154-9B21-2158-74EF-6548AB65DC1E}"/>
-              </a:ext>
-            </a:extLst>
-          </p:cNvPr>
-          <p:cNvSpPr>
-            <a:spLocks noGrp="1"/>
-          </p:cNvSpPr>
-          <p:nvPr>
-            <p:ph idx="1"/>
-          </p:nvPr>
-        </p:nvSpPr>
-        <p:spPr/>
-        <p:txBody>
-          <a:bodyPr/>
-          <a:lstStyle/>
-          <a:p>
-            <a:pPr marL="0" indent="0">
-              <a:buNone/>
-            </a:pPr>
-            <a:r>
-              <a:rPr lang="en-US" dirty="0"/>
-              <a:t>Unlike linear regression (which minimizes squared errors), logistic regression </a:t>
-            </a:r>
-            <a:r>
-              <a:rPr lang="en-US" b="1" dirty="0"/>
-              <a:t>maximizes the likelihood</a:t>
-            </a:r>
-            <a:r>
-              <a:rPr lang="en-US" dirty="0"/>
-              <a:t> of observing the actual outcomes, given the model.</a:t>
-            </a:r>
-          </a:p>
-          <a:p>
-            <a:endParaRPr lang="en-US" dirty="0"/>
-          </a:p>
-        </p:txBody>
-      </p:sp>
-    </p:spTree>
-    <p:extLst>
-      <p:ext uri="{BB962C8B-B14F-4D97-AF65-F5344CB8AC3E}">
-        <p14:creationId xmlns:p14="http://schemas.microsoft.com/office/powerpoint/2010/main" val="1540859203"/>
-      </p:ext>
-    </p:extLst>
-  </p:cSld>
-  <p:clrMapOvr>
-    <a:masterClrMapping/>
-  </p:clrMapOvr>
-</p:sld>
-</file>
-
 <file path=ppt/slides/slide9.xml><?xml version="1.0" encoding="utf-8"?>
 <p:sld xmlns:a="http://schemas.openxmlformats.org/drawingml/2006/main" xmlns:r="http://schemas.openxmlformats.org/officeDocument/2006/relationships" xmlns:p="http://schemas.openxmlformats.org/presentationml/2006/main">
   <p:cSld>
@@ -7138,7 +7551,7 @@
           <p:cNvPr id="2" name="Title 1">
             <a:extLst>
               <a:ext uri="{FF2B5EF4-FFF2-40B4-BE49-F238E27FC236}">
-                <a16:creationId xmlns:a16="http://schemas.microsoft.com/office/drawing/2014/main" id="{98E5A6DD-A185-86A5-551D-5B6971D1C97B}"/>
+                <a16:creationId xmlns:a16="http://schemas.microsoft.com/office/drawing/2014/main" id="{733A69DF-CF30-8168-C5BE-6383EF5B7B26}"/>
               </a:ext>
             </a:extLst>
           </p:cNvPr>
@@ -7156,224 +7569,57 @@
           <a:p>
             <a:r>
               <a:rPr lang="en-US" dirty="0"/>
-              <a:t>Model fit</a:t>
-            </a:r>
-          </a:p>
-        </p:txBody>
-      </p:sp>
-      <mc:AlternateContent xmlns:mc="http://schemas.openxmlformats.org/markup-compatibility/2006">
-        <mc:Choice xmlns:a14="http://schemas.microsoft.com/office/drawing/2010/main" Requires="a14">
-          <p:sp>
-            <p:nvSpPr>
-              <p:cNvPr id="3" name="Content Placeholder 2">
-                <a:extLst>
-                  <a:ext uri="{FF2B5EF4-FFF2-40B4-BE49-F238E27FC236}">
-                    <a16:creationId xmlns:a16="http://schemas.microsoft.com/office/drawing/2014/main" id="{EE1D8A0E-8137-39CD-ED72-D5C0CCEDF4A1}"/>
-                  </a:ext>
-                </a:extLst>
-              </p:cNvPr>
-              <p:cNvSpPr>
-                <a:spLocks noGrp="1"/>
-              </p:cNvSpPr>
-              <p:nvPr>
-                <p:ph idx="1"/>
-              </p:nvPr>
-            </p:nvSpPr>
-            <p:spPr/>
-            <p:txBody>
-              <a:bodyPr>
-                <a:normAutofit lnSpcReduction="10000"/>
-              </a:bodyPr>
-              <a:lstStyle/>
-              <a:p>
-                <a14:m>
-                  <m:oMath xmlns:m="http://schemas.openxmlformats.org/officeDocument/2006/math">
-                    <m:sSup>
-                      <m:sSupPr>
-                        <m:ctrlPr>
-                          <a:rPr lang="en-US" b="0" i="1" smtClean="0">
-                            <a:latin typeface="Cambria Math" panose="02040503050406030204" pitchFamily="18" charset="0"/>
-                          </a:rPr>
-                        </m:ctrlPr>
-                      </m:sSupPr>
-                      <m:e>
-                        <m:r>
-                          <a:rPr lang="en-US" b="0" i="1" smtClean="0">
-                            <a:latin typeface="Cambria Math" panose="02040503050406030204" pitchFamily="18" charset="0"/>
-                          </a:rPr>
-                          <m:t>𝑅</m:t>
-                        </m:r>
-                      </m:e>
-                      <m:sup>
-                        <m:r>
-                          <a:rPr lang="en-US" b="0" i="1" smtClean="0">
-                            <a:latin typeface="Cambria Math" panose="02040503050406030204" pitchFamily="18" charset="0"/>
-                          </a:rPr>
-                          <m:t>2</m:t>
-                        </m:r>
-                      </m:sup>
-                    </m:sSup>
-                  </m:oMath>
-                </a14:m>
-                <a:r>
-                  <a:rPr lang="en-US" dirty="0"/>
-                  <a:t>does not work well with binary outcomes.</a:t>
-                </a:r>
-              </a:p>
-              <a:p>
-                <a:r>
-                  <a:rPr lang="en-US" dirty="0"/>
-                  <a:t>Binary outcomes are about </a:t>
-                </a:r>
-                <a:r>
-                  <a:rPr lang="en-US" b="1" dirty="0"/>
-                  <a:t>yes/no decisions</a:t>
-                </a:r>
-                <a:r>
-                  <a:rPr lang="en-US" dirty="0"/>
-                  <a:t>, not “how much” </a:t>
-                </a:r>
-                <a:r>
-                  <a:rPr lang="en-US" dirty="0">
-                    <a:sym typeface="Wingdings" pitchFamily="2" charset="2"/>
-                  </a:rPr>
-                  <a:t> </a:t>
-                </a:r>
-                <a:r>
-                  <a:rPr lang="en-US" dirty="0"/>
-                  <a:t>the </a:t>
-                </a:r>
-                <a:r>
-                  <a:rPr lang="en-US" b="1" dirty="0"/>
-                  <a:t>usual R² just doesn’t work well.</a:t>
-                </a:r>
-              </a:p>
-              <a:p>
-                <a:endParaRPr lang="en-US" b="1" dirty="0"/>
-              </a:p>
-              <a:p>
-                <a:r>
-                  <a:rPr lang="en-US" dirty="0"/>
-                  <a:t>There are alternative measures of fit, e.g.,</a:t>
-                </a:r>
-              </a:p>
-              <a:p>
-                <a:pPr lvl="1"/>
-                <a:r>
-                  <a:rPr lang="en-US" b="1" dirty="0"/>
-                  <a:t>Pseudo- </a:t>
-                </a:r>
-                <a14:m>
-                  <m:oMath xmlns:m="http://schemas.openxmlformats.org/officeDocument/2006/math">
-                    <m:sSup>
-                      <m:sSupPr>
-                        <m:ctrlPr>
-                          <a:rPr lang="en-US" b="1" i="1">
-                            <a:latin typeface="Cambria Math" panose="02040503050406030204" pitchFamily="18" charset="0"/>
-                          </a:rPr>
-                        </m:ctrlPr>
-                      </m:sSupPr>
-                      <m:e>
-                        <m:r>
-                          <a:rPr lang="en-US" b="1" i="1">
-                            <a:latin typeface="Cambria Math" panose="02040503050406030204" pitchFamily="18" charset="0"/>
-                          </a:rPr>
-                          <m:t>𝑹</m:t>
-                        </m:r>
-                      </m:e>
-                      <m:sup>
-                        <m:r>
-                          <a:rPr lang="en-US" b="1" i="1">
-                            <a:latin typeface="Cambria Math" panose="02040503050406030204" pitchFamily="18" charset="0"/>
-                          </a:rPr>
-                          <m:t>𝟐</m:t>
-                        </m:r>
-                      </m:sup>
-                    </m:sSup>
-                  </m:oMath>
-                </a14:m>
-                <a:r>
-                  <a:rPr lang="en-US" dirty="0"/>
-                  <a:t>: How much better is this model at predicting 0s and 1s compared to guessing the average?</a:t>
-                </a:r>
-              </a:p>
-              <a:p>
-                <a:pPr lvl="2"/>
-                <a:r>
-                  <a:rPr lang="en-US" dirty="0"/>
-                  <a:t>It's useful for checking if your logistic model is doing better than chance.</a:t>
-                </a:r>
-              </a:p>
-              <a:p>
-                <a:pPr lvl="1"/>
-                <a:r>
-                  <a:rPr lang="en-US" b="1" dirty="0"/>
-                  <a:t>Log Likelihood</a:t>
-                </a:r>
-                <a:r>
-                  <a:rPr lang="en-US" dirty="0"/>
-                  <a:t>: is a measure of how well the model’s predicted probabilities match the actual 0/1 outcomes.</a:t>
-                </a:r>
-              </a:p>
-              <a:p>
-                <a:pPr lvl="2"/>
-                <a:r>
-                  <a:rPr lang="en-US" dirty="0"/>
-                  <a:t>The higher </a:t>
-                </a:r>
-                <a:r>
-                  <a:rPr lang="en-US"/>
-                  <a:t>the better.</a:t>
-                </a:r>
-                <a:endParaRPr lang="en-US" dirty="0"/>
-              </a:p>
-            </p:txBody>
-          </p:sp>
-        </mc:Choice>
-        <mc:Fallback>
-          <p:sp>
-            <p:nvSpPr>
-              <p:cNvPr id="3" name="Content Placeholder 2">
-                <a:extLst>
-                  <a:ext uri="{FF2B5EF4-FFF2-40B4-BE49-F238E27FC236}">
-                    <a16:creationId xmlns:a16="http://schemas.microsoft.com/office/drawing/2014/main" id="{EE1D8A0E-8137-39CD-ED72-D5C0CCEDF4A1}"/>
-                  </a:ext>
-                </a:extLst>
-              </p:cNvPr>
-              <p:cNvSpPr>
-                <a:spLocks noGrp="1" noRot="1" noChangeAspect="1" noMove="1" noResize="1" noEditPoints="1" noAdjustHandles="1" noChangeArrowheads="1" noChangeShapeType="1" noTextEdit="1"/>
-              </p:cNvSpPr>
-              <p:nvPr>
-                <p:ph idx="1"/>
-              </p:nvPr>
-            </p:nvSpPr>
-            <p:spPr>
-              <a:blipFill>
-                <a:blip r:embed="rId2"/>
-                <a:stretch>
-                  <a:fillRect l="-1086" t="-3198" r="-241"/>
-                </a:stretch>
-              </a:blipFill>
-            </p:spPr>
-            <p:txBody>
-              <a:bodyPr/>
-              <a:lstStyle/>
-              <a:p>
-                <a:r>
-                  <a:rPr lang="en-US">
-                    <a:noFill/>
-                  </a:rPr>
-                  <a:t> </a:t>
-                </a:r>
-              </a:p>
-            </p:txBody>
-          </p:sp>
-        </mc:Fallback>
-      </mc:AlternateContent>
+              <a:t>Estimation</a:t>
+            </a:r>
+          </a:p>
+        </p:txBody>
+      </p:sp>
+      <p:sp>
+        <p:nvSpPr>
+          <p:cNvPr id="3" name="Content Placeholder 2">
+            <a:extLst>
+              <a:ext uri="{FF2B5EF4-FFF2-40B4-BE49-F238E27FC236}">
+                <a16:creationId xmlns:a16="http://schemas.microsoft.com/office/drawing/2014/main" id="{D8BED154-9B21-2158-74EF-6548AB65DC1E}"/>
+              </a:ext>
+            </a:extLst>
+          </p:cNvPr>
+          <p:cNvSpPr>
+            <a:spLocks noGrp="1"/>
+          </p:cNvSpPr>
+          <p:nvPr>
+            <p:ph idx="1"/>
+          </p:nvPr>
+        </p:nvSpPr>
+        <p:spPr/>
+        <p:txBody>
+          <a:bodyPr/>
+          <a:lstStyle/>
+          <a:p>
+            <a:pPr marL="0" indent="0">
+              <a:buNone/>
+            </a:pPr>
+            <a:r>
+              <a:rPr lang="en-US" dirty="0"/>
+              <a:t>Unlike linear regression (which minimizes squared errors), logistic regression </a:t>
+            </a:r>
+            <a:r>
+              <a:rPr lang="en-US" b="1" dirty="0"/>
+              <a:t>maximizes the likelihood</a:t>
+            </a:r>
+            <a:r>
+              <a:rPr lang="en-US" dirty="0"/>
+              <a:t> of observing the actual outcomes, given the model.</a:t>
+            </a:r>
+          </a:p>
+          <a:p>
+            <a:endParaRPr lang="en-US" dirty="0"/>
+          </a:p>
+        </p:txBody>
+      </p:sp>
     </p:spTree>
     <p:extLst>
       <p:ext uri="{BB962C8B-B14F-4D97-AF65-F5344CB8AC3E}">
-        <p14:creationId xmlns:p14="http://schemas.microsoft.com/office/powerpoint/2010/main" val="3722917836"/>
+        <p14:creationId xmlns:p14="http://schemas.microsoft.com/office/powerpoint/2010/main" val="1540859203"/>
       </p:ext>
     </p:extLst>
   </p:cSld>
